--- a/March 1 2019.pptx
+++ b/March 1 2019.pptx
@@ -6,11 +6,13 @@
   </p:sldMasterIdLst>
   <p:sldIdLst>
     <p:sldId id="256" r:id="rId2"/>
-    <p:sldId id="305" r:id="rId3"/>
-    <p:sldId id="272" r:id="rId4"/>
-    <p:sldId id="311" r:id="rId5"/>
-    <p:sldId id="308" r:id="rId6"/>
-    <p:sldId id="270" r:id="rId7"/>
+    <p:sldId id="312" r:id="rId3"/>
+    <p:sldId id="305" r:id="rId4"/>
+    <p:sldId id="313" r:id="rId5"/>
+    <p:sldId id="272" r:id="rId6"/>
+    <p:sldId id="311" r:id="rId7"/>
+    <p:sldId id="308" r:id="rId8"/>
+    <p:sldId id="270" r:id="rId9"/>
   </p:sldIdLst>
   <p:sldSz cx="12192000" cy="6858000"/>
   <p:notesSz cx="6858000" cy="9144000"/>
@@ -264,7 +266,7 @@
           <a:p>
             <a:fld id="{34A5A4A3-8F1F-4808-A594-7027E879364B}" type="datetimeFigureOut">
               <a:rPr lang="en-US" smtClean="0"/>
-              <a:t>2/21/2019</a:t>
+              <a:t>2/22/2019</a:t>
             </a:fld>
             <a:endParaRPr lang="en-US"/>
           </a:p>
@@ -462,7 +464,7 @@
           <a:p>
             <a:fld id="{34A5A4A3-8F1F-4808-A594-7027E879364B}" type="datetimeFigureOut">
               <a:rPr lang="en-US" smtClean="0"/>
-              <a:t>2/21/2019</a:t>
+              <a:t>2/22/2019</a:t>
             </a:fld>
             <a:endParaRPr lang="en-US"/>
           </a:p>
@@ -670,7 +672,7 @@
           <a:p>
             <a:fld id="{34A5A4A3-8F1F-4808-A594-7027E879364B}" type="datetimeFigureOut">
               <a:rPr lang="en-US" smtClean="0"/>
-              <a:t>2/21/2019</a:t>
+              <a:t>2/22/2019</a:t>
             </a:fld>
             <a:endParaRPr lang="en-US"/>
           </a:p>
@@ -868,7 +870,7 @@
           <a:p>
             <a:fld id="{34A5A4A3-8F1F-4808-A594-7027E879364B}" type="datetimeFigureOut">
               <a:rPr lang="en-US" smtClean="0"/>
-              <a:t>2/21/2019</a:t>
+              <a:t>2/22/2019</a:t>
             </a:fld>
             <a:endParaRPr lang="en-US"/>
           </a:p>
@@ -1143,7 +1145,7 @@
           <a:p>
             <a:fld id="{34A5A4A3-8F1F-4808-A594-7027E879364B}" type="datetimeFigureOut">
               <a:rPr lang="en-US" smtClean="0"/>
-              <a:t>2/21/2019</a:t>
+              <a:t>2/22/2019</a:t>
             </a:fld>
             <a:endParaRPr lang="en-US"/>
           </a:p>
@@ -1408,7 +1410,7 @@
           <a:p>
             <a:fld id="{34A5A4A3-8F1F-4808-A594-7027E879364B}" type="datetimeFigureOut">
               <a:rPr lang="en-US" smtClean="0"/>
-              <a:t>2/21/2019</a:t>
+              <a:t>2/22/2019</a:t>
             </a:fld>
             <a:endParaRPr lang="en-US"/>
           </a:p>
@@ -1820,7 +1822,7 @@
           <a:p>
             <a:fld id="{34A5A4A3-8F1F-4808-A594-7027E879364B}" type="datetimeFigureOut">
               <a:rPr lang="en-US" smtClean="0"/>
-              <a:t>2/21/2019</a:t>
+              <a:t>2/22/2019</a:t>
             </a:fld>
             <a:endParaRPr lang="en-US"/>
           </a:p>
@@ -1961,7 +1963,7 @@
           <a:p>
             <a:fld id="{34A5A4A3-8F1F-4808-A594-7027E879364B}" type="datetimeFigureOut">
               <a:rPr lang="en-US" smtClean="0"/>
-              <a:t>2/21/2019</a:t>
+              <a:t>2/22/2019</a:t>
             </a:fld>
             <a:endParaRPr lang="en-US"/>
           </a:p>
@@ -2074,7 +2076,7 @@
           <a:p>
             <a:fld id="{34A5A4A3-8F1F-4808-A594-7027E879364B}" type="datetimeFigureOut">
               <a:rPr lang="en-US" smtClean="0"/>
-              <a:t>2/21/2019</a:t>
+              <a:t>2/22/2019</a:t>
             </a:fld>
             <a:endParaRPr lang="en-US"/>
           </a:p>
@@ -2385,7 +2387,7 @@
           <a:p>
             <a:fld id="{34A5A4A3-8F1F-4808-A594-7027E879364B}" type="datetimeFigureOut">
               <a:rPr lang="en-US" smtClean="0"/>
-              <a:t>2/21/2019</a:t>
+              <a:t>2/22/2019</a:t>
             </a:fld>
             <a:endParaRPr lang="en-US"/>
           </a:p>
@@ -2673,7 +2675,7 @@
           <a:p>
             <a:fld id="{34A5A4A3-8F1F-4808-A594-7027E879364B}" type="datetimeFigureOut">
               <a:rPr lang="en-US" smtClean="0"/>
-              <a:t>2/21/2019</a:t>
+              <a:t>2/22/2019</a:t>
             </a:fld>
             <a:endParaRPr lang="en-US"/>
           </a:p>
@@ -2914,7 +2916,7 @@
           <a:p>
             <a:fld id="{34A5A4A3-8F1F-4808-A594-7027E879364B}" type="datetimeFigureOut">
               <a:rPr lang="en-US" smtClean="0"/>
-              <a:t>2/21/2019</a:t>
+              <a:t>2/22/2019</a:t>
             </a:fld>
             <a:endParaRPr lang="en-US"/>
           </a:p>
@@ -3403,6 +3405,14 @@
 <file path=ppt/slides/slide2.xml><?xml version="1.0" encoding="utf-8"?>
 <p:sld xmlns:a="http://schemas.openxmlformats.org/drawingml/2006/main" xmlns:r="http://schemas.openxmlformats.org/officeDocument/2006/relationships" xmlns:p="http://schemas.openxmlformats.org/presentationml/2006/main">
   <p:cSld>
+    <p:bg>
+      <p:bgPr>
+        <a:solidFill>
+          <a:schemeClr val="accent1"/>
+        </a:solidFill>
+        <a:effectLst/>
+      </p:bgPr>
+    </p:bg>
     <p:spTree>
       <p:nvGrpSpPr>
         <p:cNvPr id="1" name=""/>
@@ -3422,6 +3432,71 @@
           <p:cNvPr id="2" name="TextBox 1">
             <a:extLst>
               <a:ext uri="{FF2B5EF4-FFF2-40B4-BE49-F238E27FC236}">
+                <a16:creationId xmlns:a16="http://schemas.microsoft.com/office/drawing/2014/main" id="{8A273221-D674-45D8-B9F6-20A9B397588F}"/>
+              </a:ext>
+            </a:extLst>
+          </p:cNvPr>
+          <p:cNvSpPr txBox="1"/>
+          <p:nvPr/>
+        </p:nvSpPr>
+        <p:spPr>
+          <a:xfrm>
+            <a:off x="3088914" y="2440698"/>
+            <a:ext cx="5758499" cy="461665"/>
+          </a:xfrm>
+          <a:prstGeom prst="rect">
+            <a:avLst/>
+          </a:prstGeom>
+          <a:noFill/>
+        </p:spPr>
+        <p:txBody>
+          <a:bodyPr wrap="none" rtlCol="0">
+            <a:spAutoFit/>
+          </a:bodyPr>
+          <a:lstStyle/>
+          <a:p>
+            <a:r>
+              <a:rPr lang="en-US" sz="2400" dirty="0"/>
+              <a:t>Creating validation data from Planet imagery</a:t>
+            </a:r>
+          </a:p>
+        </p:txBody>
+      </p:sp>
+    </p:spTree>
+    <p:extLst>
+      <p:ext uri="{BB962C8B-B14F-4D97-AF65-F5344CB8AC3E}">
+        <p14:creationId xmlns:p14="http://schemas.microsoft.com/office/powerpoint/2010/main" val="2445317677"/>
+      </p:ext>
+    </p:extLst>
+  </p:cSld>
+  <p:clrMapOvr>
+    <a:masterClrMapping/>
+  </p:clrMapOvr>
+</p:sld>
+</file>
+
+<file path=ppt/slides/slide3.xml><?xml version="1.0" encoding="utf-8"?>
+<p:sld xmlns:a="http://schemas.openxmlformats.org/drawingml/2006/main" xmlns:r="http://schemas.openxmlformats.org/officeDocument/2006/relationships" xmlns:p="http://schemas.openxmlformats.org/presentationml/2006/main">
+  <p:cSld>
+    <p:spTree>
+      <p:nvGrpSpPr>
+        <p:cNvPr id="1" name=""/>
+        <p:cNvGrpSpPr/>
+        <p:nvPr/>
+      </p:nvGrpSpPr>
+      <p:grpSpPr>
+        <a:xfrm>
+          <a:off x="0" y="0"/>
+          <a:ext cx="0" cy="0"/>
+          <a:chOff x="0" y="0"/>
+          <a:chExt cx="0" cy="0"/>
+        </a:xfrm>
+      </p:grpSpPr>
+      <p:sp>
+        <p:nvSpPr>
+          <p:cNvPr id="2" name="TextBox 1">
+            <a:extLst>
+              <a:ext uri="{FF2B5EF4-FFF2-40B4-BE49-F238E27FC236}">
                 <a16:creationId xmlns:a16="http://schemas.microsoft.com/office/drawing/2014/main" id="{306514FE-05D5-435E-B0BF-C84C79575C79}"/>
               </a:ext>
             </a:extLst>
@@ -3465,7 +3540,11 @@
             <a:graphicFrameLocks noGrp="1"/>
           </p:cNvGraphicFramePr>
           <p:nvPr>
-            <p:extLst/>
+            <p:extLst>
+              <p:ext uri="{D42A27DB-BD31-4B8C-83A1-F6EECF244321}">
+                <p14:modId xmlns:p14="http://schemas.microsoft.com/office/powerpoint/2010/main" val="2982183158"/>
+              </p:ext>
+            </p:extLst>
           </p:nvPr>
         </p:nvGraphicFramePr>
         <p:xfrm>
@@ -3778,8 +3857,13 @@
                       </a:r>
                       <a:r>
                         <a:rPr lang="en-US" sz="1400" dirty="0"/>
-                        <a:t>) purposes.</a:t>
+                        <a:t>) purposes. Assets are exported as ‘raw_agri_fc_poly1_year’, </a:t>
                       </a:r>
+                      <a:r>
+                        <a:rPr lang="en-US" sz="1400" dirty="0" err="1"/>
+                        <a:t>etc</a:t>
+                      </a:r>
+                      <a:endParaRPr lang="en-US" sz="1400" dirty="0"/>
                     </a:p>
                   </a:txBody>
                   <a:tcPr/>
@@ -3832,7 +3916,15 @@
                     <a:p>
                       <a:r>
                         <a:rPr lang="en-US" sz="1400" dirty="0"/>
-                        <a:t>Step through fields in CAR poly and record observed crop timing, export observations as feature collection to asset. </a:t>
+                        <a:t>Step through fields in CAR poly and record observed crop timing, export observations as feature collection to asset. Assets are exported as ‘</a:t>
+                      </a:r>
+                      <a:r>
+                        <a:rPr lang="en-US" sz="1400" dirty="0" err="1"/>
+                        <a:t>timing_obs_for_polyName_in_year</a:t>
+                      </a:r>
+                      <a:r>
+                        <a:rPr lang="en-US" sz="1400" dirty="0"/>
+                        <a:t>’</a:t>
                       </a:r>
                     </a:p>
                     <a:p>
@@ -4066,7 +4158,295 @@
 </p:sld>
 </file>
 
-<file path=ppt/slides/slide3.xml><?xml version="1.0" encoding="utf-8"?>
+<file path=ppt/slides/slide4.xml><?xml version="1.0" encoding="utf-8"?>
+<p:sld xmlns:a="http://schemas.openxmlformats.org/drawingml/2006/main" xmlns:r="http://schemas.openxmlformats.org/officeDocument/2006/relationships" xmlns:p="http://schemas.openxmlformats.org/presentationml/2006/main">
+  <p:cSld>
+    <p:spTree>
+      <p:nvGrpSpPr>
+        <p:cNvPr id="1" name=""/>
+        <p:cNvGrpSpPr/>
+        <p:nvPr/>
+      </p:nvGrpSpPr>
+      <p:grpSpPr>
+        <a:xfrm>
+          <a:off x="0" y="0"/>
+          <a:ext cx="0" cy="0"/>
+          <a:chOff x="0" y="0"/>
+          <a:chExt cx="0" cy="0"/>
+        </a:xfrm>
+      </p:grpSpPr>
+      <p:sp>
+        <p:nvSpPr>
+          <p:cNvPr id="2" name="Rectangle 1">
+            <a:extLst>
+              <a:ext uri="{FF2B5EF4-FFF2-40B4-BE49-F238E27FC236}">
+                <a16:creationId xmlns:a16="http://schemas.microsoft.com/office/drawing/2014/main" id="{5701F049-94CF-4490-B127-CF6919DCF8EA}"/>
+              </a:ext>
+            </a:extLst>
+          </p:cNvPr>
+          <p:cNvSpPr/>
+          <p:nvPr/>
+        </p:nvSpPr>
+        <p:spPr>
+          <a:xfrm>
+            <a:off x="191588" y="506559"/>
+            <a:ext cx="11818160" cy="4278094"/>
+          </a:xfrm>
+          <a:prstGeom prst="rect">
+            <a:avLst/>
+          </a:prstGeom>
+        </p:spPr>
+        <p:txBody>
+          <a:bodyPr wrap="square">
+            <a:spAutoFit/>
+          </a:bodyPr>
+          <a:lstStyle/>
+          <a:p>
+            <a:r>
+              <a:rPr lang="en-US" sz="1600" dirty="0"/>
+              <a:t>Notes</a:t>
+            </a:r>
+          </a:p>
+          <a:p>
+            <a:endParaRPr lang="en-US" sz="1600" dirty="0"/>
+          </a:p>
+          <a:p>
+            <a:pPr marL="285750" indent="-285750">
+              <a:buFontTx/>
+              <a:buChar char="-"/>
+            </a:pPr>
+            <a:r>
+              <a:rPr lang="en-US" sz="1600" dirty="0"/>
+              <a:t>This week, worked on poly1 crop timing info. Take pictures of the data from each field and enter them all at the same time; can’t guarantee the code will be running for the many hours it takes to create a timing validation dataset</a:t>
+            </a:r>
+          </a:p>
+          <a:p>
+            <a:pPr marL="285750" indent="-285750">
+              <a:buFontTx/>
+              <a:buChar char="-"/>
+            </a:pPr>
+            <a:r>
+              <a:rPr lang="en-US" sz="1600" dirty="0"/>
+              <a:t>In some images, there’s a green sheen over the entire image so need to compare the field to the natural vegetation to see whether the field is actually green</a:t>
+            </a:r>
+          </a:p>
+          <a:p>
+            <a:pPr marL="285750" indent="-285750">
+              <a:buFontTx/>
+              <a:buChar char="-"/>
+            </a:pPr>
+            <a:r>
+              <a:rPr lang="en-US" sz="1600" dirty="0"/>
+              <a:t>The use of images from different satellites, and the presence of clouds (and therefore a change in visualization params) makes it hard to have temporally consistent images – i.e. sometimes a field will look like it’s mature one day but totally green next week, which means the ‘mature’ day was probably green and was just sensed with another satellite. </a:t>
+            </a:r>
+          </a:p>
+          <a:p>
+            <a:pPr marL="285750" indent="-285750">
+              <a:buFontTx/>
+              <a:buChar char="-"/>
+            </a:pPr>
+            <a:r>
+              <a:rPr lang="en-US" sz="1600" dirty="0"/>
+              <a:t>Try to download from the same satellite, and low presence of clouds. 4bandPSanalytic looks the best; there seems to also be more PS than RE images. </a:t>
+            </a:r>
+            <a:r>
+              <a:rPr lang="en-US" sz="1600" dirty="0" err="1"/>
+              <a:t>Reortho</a:t>
+            </a:r>
+            <a:r>
+              <a:rPr lang="en-US" sz="1600" dirty="0"/>
+              <a:t> and </a:t>
+            </a:r>
+            <a:r>
+              <a:rPr lang="en-US" sz="1600" dirty="0" err="1"/>
+              <a:t>Psortho</a:t>
+            </a:r>
+            <a:r>
+              <a:rPr lang="en-US" sz="1600" dirty="0"/>
+              <a:t> both have had some images that look ‘greenwashed’. In the future, before stepping through images to get timing, pay attention to what the images look like (compared to natural vegetation, known bare/harvested regions, </a:t>
+            </a:r>
+            <a:r>
+              <a:rPr lang="en-US" sz="1600" dirty="0" err="1"/>
+              <a:t>etc</a:t>
+            </a:r>
+            <a:r>
+              <a:rPr lang="en-US" sz="1600" dirty="0"/>
+              <a:t>)</a:t>
+            </a:r>
+          </a:p>
+          <a:p>
+            <a:pPr marL="285750" indent="-285750">
+              <a:buFontTx/>
+              <a:buChar char="-"/>
+            </a:pPr>
+            <a:r>
+              <a:rPr lang="en-US" sz="1600" dirty="0"/>
+              <a:t>Don’t download images within 5 days of each other because won’t be able to step through them (I have 5 days as the step interval)</a:t>
+            </a:r>
+          </a:p>
+          <a:p>
+            <a:pPr marL="285750" indent="-285750">
+              <a:buFontTx/>
+              <a:buChar char="-"/>
+            </a:pPr>
+            <a:r>
+              <a:rPr lang="en-US" sz="1600" dirty="0" err="1"/>
+              <a:t>Reorthoanalytic</a:t>
+            </a:r>
+            <a:r>
+              <a:rPr lang="en-US" sz="1600" dirty="0"/>
+              <a:t> and </a:t>
+            </a:r>
+            <a:r>
+              <a:rPr lang="en-US" sz="1600" dirty="0" err="1"/>
+              <a:t>PSorthoAnalytic</a:t>
+            </a:r>
+            <a:r>
+              <a:rPr lang="en-US" sz="1600" dirty="0"/>
+              <a:t> both have greenwash effect sometimes. Pay attention to how the image looks in Planet website.</a:t>
+            </a:r>
+          </a:p>
+          <a:p>
+            <a:pPr marL="285750" indent="-285750">
+              <a:buFontTx/>
+              <a:buChar char="-"/>
+            </a:pPr>
+            <a:r>
+              <a:rPr lang="en-US" sz="1600" dirty="0"/>
+              <a:t>Note that sometimes dark green vegetation can look black/brown; look at natural vegetation to see whether a very dark field might actually be a very green field</a:t>
+            </a:r>
+          </a:p>
+          <a:p>
+            <a:pPr marL="285750" indent="-285750">
+              <a:buFontTx/>
+              <a:buChar char="-"/>
+            </a:pPr>
+            <a:r>
+              <a:rPr lang="en-US" sz="1600" dirty="0"/>
+              <a:t>Sometimes a stripe-y lightly green field won’t pick up on some satellites and it’ll look bare</a:t>
+            </a:r>
+          </a:p>
+        </p:txBody>
+      </p:sp>
+      <p:sp>
+        <p:nvSpPr>
+          <p:cNvPr id="3" name="Rectangle 2">
+            <a:extLst>
+              <a:ext uri="{FF2B5EF4-FFF2-40B4-BE49-F238E27FC236}">
+                <a16:creationId xmlns:a16="http://schemas.microsoft.com/office/drawing/2014/main" id="{983193D5-C2FC-4AF5-88E1-82864E59C1E0}"/>
+              </a:ext>
+            </a:extLst>
+          </p:cNvPr>
+          <p:cNvSpPr/>
+          <p:nvPr/>
+        </p:nvSpPr>
+        <p:spPr>
+          <a:xfrm>
+            <a:off x="8199658" y="6550223"/>
+            <a:ext cx="3992342" cy="307777"/>
+          </a:xfrm>
+          <a:prstGeom prst="rect">
+            <a:avLst/>
+          </a:prstGeom>
+        </p:spPr>
+        <p:txBody>
+          <a:bodyPr wrap="square">
+            <a:spAutoFit/>
+          </a:bodyPr>
+          <a:lstStyle/>
+          <a:p>
+            <a:r>
+              <a:rPr lang="en-US" sz="1400" dirty="0"/>
+              <a:t>GEE file: </a:t>
+            </a:r>
+            <a:r>
+              <a:rPr lang="en-US" sz="1400" dirty="0" err="1"/>
+              <a:t>LandCover</a:t>
+            </a:r>
+            <a:r>
+              <a:rPr lang="en-US" sz="1400" dirty="0"/>
+              <a:t>/Planet Create Validation Data v2</a:t>
+            </a:r>
+          </a:p>
+        </p:txBody>
+      </p:sp>
+      <p:pic>
+        <p:nvPicPr>
+          <p:cNvPr id="4" name="Picture 3">
+            <a:extLst>
+              <a:ext uri="{FF2B5EF4-FFF2-40B4-BE49-F238E27FC236}">
+                <a16:creationId xmlns:a16="http://schemas.microsoft.com/office/drawing/2014/main" id="{A788477A-2D15-409A-8E56-2E0E4FA3A26C}"/>
+              </a:ext>
+            </a:extLst>
+          </p:cNvPr>
+          <p:cNvPicPr>
+            <a:picLocks noChangeAspect="1"/>
+          </p:cNvPicPr>
+          <p:nvPr/>
+        </p:nvPicPr>
+        <p:blipFill rotWithShape="1">
+          <a:blip r:embed="rId2"/>
+          <a:srcRect l="22809" t="43118" r="25541" b="4487"/>
+          <a:stretch/>
+        </p:blipFill>
+        <p:spPr>
+          <a:xfrm>
+            <a:off x="276520" y="4784653"/>
+            <a:ext cx="6297106" cy="3593267"/>
+          </a:xfrm>
+          <a:prstGeom prst="rect">
+            <a:avLst/>
+          </a:prstGeom>
+        </p:spPr>
+      </p:pic>
+      <p:sp>
+        <p:nvSpPr>
+          <p:cNvPr id="5" name="Rectangle 4">
+            <a:extLst>
+              <a:ext uri="{FF2B5EF4-FFF2-40B4-BE49-F238E27FC236}">
+                <a16:creationId xmlns:a16="http://schemas.microsoft.com/office/drawing/2014/main" id="{58C773E6-E442-45FD-923C-2CEBA3C544C9}"/>
+              </a:ext>
+            </a:extLst>
+          </p:cNvPr>
+          <p:cNvSpPr/>
+          <p:nvPr/>
+        </p:nvSpPr>
+        <p:spPr>
+          <a:xfrm>
+            <a:off x="537237" y="7959804"/>
+            <a:ext cx="3992342" cy="307777"/>
+          </a:xfrm>
+          <a:prstGeom prst="rect">
+            <a:avLst/>
+          </a:prstGeom>
+        </p:spPr>
+        <p:txBody>
+          <a:bodyPr wrap="square">
+            <a:spAutoFit/>
+          </a:bodyPr>
+          <a:lstStyle/>
+          <a:p>
+            <a:r>
+              <a:rPr lang="en-US" sz="1400" dirty="0"/>
+              <a:t>PS Ortho Analytic greenwashed example</a:t>
+            </a:r>
+          </a:p>
+        </p:txBody>
+      </p:sp>
+    </p:spTree>
+    <p:extLst>
+      <p:ext uri="{BB962C8B-B14F-4D97-AF65-F5344CB8AC3E}">
+        <p14:creationId xmlns:p14="http://schemas.microsoft.com/office/powerpoint/2010/main" val="1509581147"/>
+      </p:ext>
+    </p:extLst>
+  </p:cSld>
+  <p:clrMapOvr>
+    <a:masterClrMapping/>
+  </p:clrMapOvr>
+</p:sld>
+</file>
+
+<file path=ppt/slides/slide5.xml><?xml version="1.0" encoding="utf-8"?>
 <p:sld xmlns:a="http://schemas.openxmlformats.org/drawingml/2006/main" xmlns:r="http://schemas.openxmlformats.org/officeDocument/2006/relationships" xmlns:p="http://schemas.openxmlformats.org/presentationml/2006/main">
   <p:cSld>
     <p:bg>
@@ -4099,7 +4479,7 @@
         </p:nvSpPr>
         <p:spPr>
           <a:xfrm>
-            <a:off x="5752353" y="2390588"/>
+            <a:off x="5709566" y="2534967"/>
             <a:ext cx="772868" cy="461665"/>
           </a:xfrm>
           <a:prstGeom prst="rect">
@@ -4133,7 +4513,7 @@
 </p:sld>
 </file>
 
-<file path=ppt/slides/slide4.xml><?xml version="1.0" encoding="utf-8"?>
+<file path=ppt/slides/slide6.xml><?xml version="1.0" encoding="utf-8"?>
 <p:sld xmlns:a="http://schemas.openxmlformats.org/drawingml/2006/main" xmlns:r="http://schemas.openxmlformats.org/officeDocument/2006/relationships" xmlns:p="http://schemas.openxmlformats.org/presentationml/2006/main">
   <p:cSld>
     <p:spTree>
@@ -4316,7 +4696,7 @@
 </p:sld>
 </file>
 
-<file path=ppt/slides/slide5.xml><?xml version="1.0" encoding="utf-8"?>
+<file path=ppt/slides/slide7.xml><?xml version="1.0" encoding="utf-8"?>
 <p:sld xmlns:a="http://schemas.openxmlformats.org/drawingml/2006/main" xmlns:r="http://schemas.openxmlformats.org/officeDocument/2006/relationships" xmlns:p="http://schemas.openxmlformats.org/presentationml/2006/main">
   <p:cSld>
     <p:spTree>
@@ -4935,7 +5315,7 @@
 </p:sld>
 </file>
 
-<file path=ppt/slides/slide6.xml><?xml version="1.0" encoding="utf-8"?>
+<file path=ppt/slides/slide8.xml><?xml version="1.0" encoding="utf-8"?>
 <p:sld xmlns:a="http://schemas.openxmlformats.org/drawingml/2006/main" xmlns:r="http://schemas.openxmlformats.org/officeDocument/2006/relationships" xmlns:p="http://schemas.openxmlformats.org/presentationml/2006/main">
   <p:cSld>
     <p:spTree>

--- a/March 1 2019.pptx
+++ b/March 1 2019.pptx
@@ -113,7 +113,7 @@
   </p:defaultTextStyle>
   <p:extLst>
     <p:ext uri="{EFAFB233-063F-42B5-8137-9DF3F51BA10A}">
-      <p15:sldGuideLst xmlns:p15="http://schemas.microsoft.com/office/powerpoint/2012/main"/>
+      <p15:sldGuideLst xmlns:p15="http://schemas.microsoft.com/office/powerpoint/2012/main" xmlns=""/>
     </p:ext>
   </p:extLst>
 </p:presentation>
@@ -141,7 +141,7 @@
           <p:cNvPr id="2" name="Title 1">
             <a:extLst>
               <a:ext uri="{FF2B5EF4-FFF2-40B4-BE49-F238E27FC236}">
-                <a16:creationId xmlns:a16="http://schemas.microsoft.com/office/drawing/2014/main" id="{D27015C9-D35A-48BD-9509-AE8B453734CD}"/>
+                <a16:creationId xmlns:a16="http://schemas.microsoft.com/office/drawing/2014/main" xmlns="" id="{D27015C9-D35A-48BD-9509-AE8B453734CD}"/>
               </a:ext>
             </a:extLst>
           </p:cNvPr>
@@ -178,7 +178,7 @@
           <p:cNvPr id="3" name="Subtitle 2">
             <a:extLst>
               <a:ext uri="{FF2B5EF4-FFF2-40B4-BE49-F238E27FC236}">
-                <a16:creationId xmlns:a16="http://schemas.microsoft.com/office/drawing/2014/main" id="{C66B9BC8-923D-486A-B453-3C4B1ECCA12A}"/>
+                <a16:creationId xmlns:a16="http://schemas.microsoft.com/office/drawing/2014/main" xmlns="" id="{C66B9BC8-923D-486A-B453-3C4B1ECCA12A}"/>
               </a:ext>
             </a:extLst>
           </p:cNvPr>
@@ -248,7 +248,7 @@
           <p:cNvPr id="4" name="Date Placeholder 3">
             <a:extLst>
               <a:ext uri="{FF2B5EF4-FFF2-40B4-BE49-F238E27FC236}">
-                <a16:creationId xmlns:a16="http://schemas.microsoft.com/office/drawing/2014/main" id="{27EC0751-2D96-46B6-97FE-EF92CAA5C6D3}"/>
+                <a16:creationId xmlns:a16="http://schemas.microsoft.com/office/drawing/2014/main" xmlns="" id="{27EC0751-2D96-46B6-97FE-EF92CAA5C6D3}"/>
               </a:ext>
             </a:extLst>
           </p:cNvPr>
@@ -266,7 +266,7 @@
           <a:p>
             <a:fld id="{34A5A4A3-8F1F-4808-A594-7027E879364B}" type="datetimeFigureOut">
               <a:rPr lang="en-US" smtClean="0"/>
-              <a:t>2/22/2019</a:t>
+              <a:t>2/22/19</a:t>
             </a:fld>
             <a:endParaRPr lang="en-US"/>
           </a:p>
@@ -277,7 +277,7 @@
           <p:cNvPr id="5" name="Footer Placeholder 4">
             <a:extLst>
               <a:ext uri="{FF2B5EF4-FFF2-40B4-BE49-F238E27FC236}">
-                <a16:creationId xmlns:a16="http://schemas.microsoft.com/office/drawing/2014/main" id="{587B57AC-222D-4D9A-8D6A-977CF15A406C}"/>
+                <a16:creationId xmlns:a16="http://schemas.microsoft.com/office/drawing/2014/main" xmlns="" id="{587B57AC-222D-4D9A-8D6A-977CF15A406C}"/>
               </a:ext>
             </a:extLst>
           </p:cNvPr>
@@ -302,7 +302,7 @@
           <p:cNvPr id="6" name="Slide Number Placeholder 5">
             <a:extLst>
               <a:ext uri="{FF2B5EF4-FFF2-40B4-BE49-F238E27FC236}">
-                <a16:creationId xmlns:a16="http://schemas.microsoft.com/office/drawing/2014/main" id="{BAE20033-DC2C-4555-A7DD-5C5CD01783DD}"/>
+                <a16:creationId xmlns:a16="http://schemas.microsoft.com/office/drawing/2014/main" xmlns="" id="{BAE20033-DC2C-4555-A7DD-5C5CD01783DD}"/>
               </a:ext>
             </a:extLst>
           </p:cNvPr>
@@ -361,7 +361,7 @@
           <p:cNvPr id="2" name="Title 1">
             <a:extLst>
               <a:ext uri="{FF2B5EF4-FFF2-40B4-BE49-F238E27FC236}">
-                <a16:creationId xmlns:a16="http://schemas.microsoft.com/office/drawing/2014/main" id="{63F1AE4E-9114-4B8B-B80F-9248AE400836}"/>
+                <a16:creationId xmlns:a16="http://schemas.microsoft.com/office/drawing/2014/main" xmlns="" id="{63F1AE4E-9114-4B8B-B80F-9248AE400836}"/>
               </a:ext>
             </a:extLst>
           </p:cNvPr>
@@ -389,7 +389,7 @@
           <p:cNvPr id="3" name="Vertical Text Placeholder 2">
             <a:extLst>
               <a:ext uri="{FF2B5EF4-FFF2-40B4-BE49-F238E27FC236}">
-                <a16:creationId xmlns:a16="http://schemas.microsoft.com/office/drawing/2014/main" id="{8E57C056-A2E9-4411-91F0-CB4B1D9CDD0C}"/>
+                <a16:creationId xmlns:a16="http://schemas.microsoft.com/office/drawing/2014/main" xmlns="" id="{8E57C056-A2E9-4411-91F0-CB4B1D9CDD0C}"/>
               </a:ext>
             </a:extLst>
           </p:cNvPr>
@@ -446,7 +446,7 @@
           <p:cNvPr id="4" name="Date Placeholder 3">
             <a:extLst>
               <a:ext uri="{FF2B5EF4-FFF2-40B4-BE49-F238E27FC236}">
-                <a16:creationId xmlns:a16="http://schemas.microsoft.com/office/drawing/2014/main" id="{0B598BE5-1201-4119-BE54-5613B1E7E9BD}"/>
+                <a16:creationId xmlns:a16="http://schemas.microsoft.com/office/drawing/2014/main" xmlns="" id="{0B598BE5-1201-4119-BE54-5613B1E7E9BD}"/>
               </a:ext>
             </a:extLst>
           </p:cNvPr>
@@ -464,7 +464,7 @@
           <a:p>
             <a:fld id="{34A5A4A3-8F1F-4808-A594-7027E879364B}" type="datetimeFigureOut">
               <a:rPr lang="en-US" smtClean="0"/>
-              <a:t>2/22/2019</a:t>
+              <a:t>2/22/19</a:t>
             </a:fld>
             <a:endParaRPr lang="en-US"/>
           </a:p>
@@ -475,7 +475,7 @@
           <p:cNvPr id="5" name="Footer Placeholder 4">
             <a:extLst>
               <a:ext uri="{FF2B5EF4-FFF2-40B4-BE49-F238E27FC236}">
-                <a16:creationId xmlns:a16="http://schemas.microsoft.com/office/drawing/2014/main" id="{40666449-2568-4E88-9C75-8FAE864F6512}"/>
+                <a16:creationId xmlns:a16="http://schemas.microsoft.com/office/drawing/2014/main" xmlns="" id="{40666449-2568-4E88-9C75-8FAE864F6512}"/>
               </a:ext>
             </a:extLst>
           </p:cNvPr>
@@ -500,7 +500,7 @@
           <p:cNvPr id="6" name="Slide Number Placeholder 5">
             <a:extLst>
               <a:ext uri="{FF2B5EF4-FFF2-40B4-BE49-F238E27FC236}">
-                <a16:creationId xmlns:a16="http://schemas.microsoft.com/office/drawing/2014/main" id="{FAECF6E9-A25B-451B-9B97-6C490E649509}"/>
+                <a16:creationId xmlns:a16="http://schemas.microsoft.com/office/drawing/2014/main" xmlns="" id="{FAECF6E9-A25B-451B-9B97-6C490E649509}"/>
               </a:ext>
             </a:extLst>
           </p:cNvPr>
@@ -559,7 +559,7 @@
           <p:cNvPr id="2" name="Vertical Title 1">
             <a:extLst>
               <a:ext uri="{FF2B5EF4-FFF2-40B4-BE49-F238E27FC236}">
-                <a16:creationId xmlns:a16="http://schemas.microsoft.com/office/drawing/2014/main" id="{19330D6B-823B-4AA9-AD1E-533425539EDD}"/>
+                <a16:creationId xmlns:a16="http://schemas.microsoft.com/office/drawing/2014/main" xmlns="" id="{19330D6B-823B-4AA9-AD1E-533425539EDD}"/>
               </a:ext>
             </a:extLst>
           </p:cNvPr>
@@ -592,7 +592,7 @@
           <p:cNvPr id="3" name="Vertical Text Placeholder 2">
             <a:extLst>
               <a:ext uri="{FF2B5EF4-FFF2-40B4-BE49-F238E27FC236}">
-                <a16:creationId xmlns:a16="http://schemas.microsoft.com/office/drawing/2014/main" id="{F57B9051-A7A6-43EC-BD8A-51760DF1101F}"/>
+                <a16:creationId xmlns:a16="http://schemas.microsoft.com/office/drawing/2014/main" xmlns="" id="{F57B9051-A7A6-43EC-BD8A-51760DF1101F}"/>
               </a:ext>
             </a:extLst>
           </p:cNvPr>
@@ -654,7 +654,7 @@
           <p:cNvPr id="4" name="Date Placeholder 3">
             <a:extLst>
               <a:ext uri="{FF2B5EF4-FFF2-40B4-BE49-F238E27FC236}">
-                <a16:creationId xmlns:a16="http://schemas.microsoft.com/office/drawing/2014/main" id="{797B5040-0DBC-416D-A06F-F313236CC9AC}"/>
+                <a16:creationId xmlns:a16="http://schemas.microsoft.com/office/drawing/2014/main" xmlns="" id="{797B5040-0DBC-416D-A06F-F313236CC9AC}"/>
               </a:ext>
             </a:extLst>
           </p:cNvPr>
@@ -672,7 +672,7 @@
           <a:p>
             <a:fld id="{34A5A4A3-8F1F-4808-A594-7027E879364B}" type="datetimeFigureOut">
               <a:rPr lang="en-US" smtClean="0"/>
-              <a:t>2/22/2019</a:t>
+              <a:t>2/22/19</a:t>
             </a:fld>
             <a:endParaRPr lang="en-US"/>
           </a:p>
@@ -683,7 +683,7 @@
           <p:cNvPr id="5" name="Footer Placeholder 4">
             <a:extLst>
               <a:ext uri="{FF2B5EF4-FFF2-40B4-BE49-F238E27FC236}">
-                <a16:creationId xmlns:a16="http://schemas.microsoft.com/office/drawing/2014/main" id="{75254F12-5CDB-4B12-B59C-88CFA7B5527C}"/>
+                <a16:creationId xmlns:a16="http://schemas.microsoft.com/office/drawing/2014/main" xmlns="" id="{75254F12-5CDB-4B12-B59C-88CFA7B5527C}"/>
               </a:ext>
             </a:extLst>
           </p:cNvPr>
@@ -708,7 +708,7 @@
           <p:cNvPr id="6" name="Slide Number Placeholder 5">
             <a:extLst>
               <a:ext uri="{FF2B5EF4-FFF2-40B4-BE49-F238E27FC236}">
-                <a16:creationId xmlns:a16="http://schemas.microsoft.com/office/drawing/2014/main" id="{CD76845C-136D-47A9-AB3D-968487D68FD0}"/>
+                <a16:creationId xmlns:a16="http://schemas.microsoft.com/office/drawing/2014/main" xmlns="" id="{CD76845C-136D-47A9-AB3D-968487D68FD0}"/>
               </a:ext>
             </a:extLst>
           </p:cNvPr>
@@ -767,7 +767,7 @@
           <p:cNvPr id="2" name="Title 1">
             <a:extLst>
               <a:ext uri="{FF2B5EF4-FFF2-40B4-BE49-F238E27FC236}">
-                <a16:creationId xmlns:a16="http://schemas.microsoft.com/office/drawing/2014/main" id="{4A27FA9D-BA91-4A84-9C84-C1C6E2D0E31C}"/>
+                <a16:creationId xmlns:a16="http://schemas.microsoft.com/office/drawing/2014/main" xmlns="" id="{4A27FA9D-BA91-4A84-9C84-C1C6E2D0E31C}"/>
               </a:ext>
             </a:extLst>
           </p:cNvPr>
@@ -795,7 +795,7 @@
           <p:cNvPr id="3" name="Content Placeholder 2">
             <a:extLst>
               <a:ext uri="{FF2B5EF4-FFF2-40B4-BE49-F238E27FC236}">
-                <a16:creationId xmlns:a16="http://schemas.microsoft.com/office/drawing/2014/main" id="{71B8730B-58FC-430B-B751-C1BA1E3750C8}"/>
+                <a16:creationId xmlns:a16="http://schemas.microsoft.com/office/drawing/2014/main" xmlns="" id="{71B8730B-58FC-430B-B751-C1BA1E3750C8}"/>
               </a:ext>
             </a:extLst>
           </p:cNvPr>
@@ -852,7 +852,7 @@
           <p:cNvPr id="4" name="Date Placeholder 3">
             <a:extLst>
               <a:ext uri="{FF2B5EF4-FFF2-40B4-BE49-F238E27FC236}">
-                <a16:creationId xmlns:a16="http://schemas.microsoft.com/office/drawing/2014/main" id="{9BFB6E77-64E4-4547-852D-E568A98CDE19}"/>
+                <a16:creationId xmlns:a16="http://schemas.microsoft.com/office/drawing/2014/main" xmlns="" id="{9BFB6E77-64E4-4547-852D-E568A98CDE19}"/>
               </a:ext>
             </a:extLst>
           </p:cNvPr>
@@ -870,7 +870,7 @@
           <a:p>
             <a:fld id="{34A5A4A3-8F1F-4808-A594-7027E879364B}" type="datetimeFigureOut">
               <a:rPr lang="en-US" smtClean="0"/>
-              <a:t>2/22/2019</a:t>
+              <a:t>2/22/19</a:t>
             </a:fld>
             <a:endParaRPr lang="en-US"/>
           </a:p>
@@ -881,7 +881,7 @@
           <p:cNvPr id="5" name="Footer Placeholder 4">
             <a:extLst>
               <a:ext uri="{FF2B5EF4-FFF2-40B4-BE49-F238E27FC236}">
-                <a16:creationId xmlns:a16="http://schemas.microsoft.com/office/drawing/2014/main" id="{5520D060-B076-494B-AFED-AA42AF8E72A5}"/>
+                <a16:creationId xmlns:a16="http://schemas.microsoft.com/office/drawing/2014/main" xmlns="" id="{5520D060-B076-494B-AFED-AA42AF8E72A5}"/>
               </a:ext>
             </a:extLst>
           </p:cNvPr>
@@ -906,7 +906,7 @@
           <p:cNvPr id="6" name="Slide Number Placeholder 5">
             <a:extLst>
               <a:ext uri="{FF2B5EF4-FFF2-40B4-BE49-F238E27FC236}">
-                <a16:creationId xmlns:a16="http://schemas.microsoft.com/office/drawing/2014/main" id="{8B177DAD-E1AB-41FB-B7A8-4539B6AF25BE}"/>
+                <a16:creationId xmlns:a16="http://schemas.microsoft.com/office/drawing/2014/main" xmlns="" id="{8B177DAD-E1AB-41FB-B7A8-4539B6AF25BE}"/>
               </a:ext>
             </a:extLst>
           </p:cNvPr>
@@ -965,7 +965,7 @@
           <p:cNvPr id="2" name="Title 1">
             <a:extLst>
               <a:ext uri="{FF2B5EF4-FFF2-40B4-BE49-F238E27FC236}">
-                <a16:creationId xmlns:a16="http://schemas.microsoft.com/office/drawing/2014/main" id="{4038F46E-C9F3-491E-8853-FCDA9545C752}"/>
+                <a16:creationId xmlns:a16="http://schemas.microsoft.com/office/drawing/2014/main" xmlns="" id="{4038F46E-C9F3-491E-8853-FCDA9545C752}"/>
               </a:ext>
             </a:extLst>
           </p:cNvPr>
@@ -1002,7 +1002,7 @@
           <p:cNvPr id="3" name="Text Placeholder 2">
             <a:extLst>
               <a:ext uri="{FF2B5EF4-FFF2-40B4-BE49-F238E27FC236}">
-                <a16:creationId xmlns:a16="http://schemas.microsoft.com/office/drawing/2014/main" id="{EE2433B2-ECBB-4DBF-BCF8-DD8BA233EF49}"/>
+                <a16:creationId xmlns:a16="http://schemas.microsoft.com/office/drawing/2014/main" xmlns="" id="{EE2433B2-ECBB-4DBF-BCF8-DD8BA233EF49}"/>
               </a:ext>
             </a:extLst>
           </p:cNvPr>
@@ -1127,7 +1127,7 @@
           <p:cNvPr id="4" name="Date Placeholder 3">
             <a:extLst>
               <a:ext uri="{FF2B5EF4-FFF2-40B4-BE49-F238E27FC236}">
-                <a16:creationId xmlns:a16="http://schemas.microsoft.com/office/drawing/2014/main" id="{CDCCDBB1-6FF5-4374-9A9B-F2E62760F9CA}"/>
+                <a16:creationId xmlns:a16="http://schemas.microsoft.com/office/drawing/2014/main" xmlns="" id="{CDCCDBB1-6FF5-4374-9A9B-F2E62760F9CA}"/>
               </a:ext>
             </a:extLst>
           </p:cNvPr>
@@ -1145,7 +1145,7 @@
           <a:p>
             <a:fld id="{34A5A4A3-8F1F-4808-A594-7027E879364B}" type="datetimeFigureOut">
               <a:rPr lang="en-US" smtClean="0"/>
-              <a:t>2/22/2019</a:t>
+              <a:t>2/22/19</a:t>
             </a:fld>
             <a:endParaRPr lang="en-US"/>
           </a:p>
@@ -1156,7 +1156,7 @@
           <p:cNvPr id="5" name="Footer Placeholder 4">
             <a:extLst>
               <a:ext uri="{FF2B5EF4-FFF2-40B4-BE49-F238E27FC236}">
-                <a16:creationId xmlns:a16="http://schemas.microsoft.com/office/drawing/2014/main" id="{0AF38ED0-4D61-44C7-BF13-F77D225CAF60}"/>
+                <a16:creationId xmlns:a16="http://schemas.microsoft.com/office/drawing/2014/main" xmlns="" id="{0AF38ED0-4D61-44C7-BF13-F77D225CAF60}"/>
               </a:ext>
             </a:extLst>
           </p:cNvPr>
@@ -1181,7 +1181,7 @@
           <p:cNvPr id="6" name="Slide Number Placeholder 5">
             <a:extLst>
               <a:ext uri="{FF2B5EF4-FFF2-40B4-BE49-F238E27FC236}">
-                <a16:creationId xmlns:a16="http://schemas.microsoft.com/office/drawing/2014/main" id="{3617E986-4217-4391-9454-5999F172BA33}"/>
+                <a16:creationId xmlns:a16="http://schemas.microsoft.com/office/drawing/2014/main" xmlns="" id="{3617E986-4217-4391-9454-5999F172BA33}"/>
               </a:ext>
             </a:extLst>
           </p:cNvPr>
@@ -1240,7 +1240,7 @@
           <p:cNvPr id="2" name="Title 1">
             <a:extLst>
               <a:ext uri="{FF2B5EF4-FFF2-40B4-BE49-F238E27FC236}">
-                <a16:creationId xmlns:a16="http://schemas.microsoft.com/office/drawing/2014/main" id="{06459BA8-870F-4AFD-B32F-3E47A38D4AB7}"/>
+                <a16:creationId xmlns:a16="http://schemas.microsoft.com/office/drawing/2014/main" xmlns="" id="{06459BA8-870F-4AFD-B32F-3E47A38D4AB7}"/>
               </a:ext>
             </a:extLst>
           </p:cNvPr>
@@ -1268,7 +1268,7 @@
           <p:cNvPr id="3" name="Content Placeholder 2">
             <a:extLst>
               <a:ext uri="{FF2B5EF4-FFF2-40B4-BE49-F238E27FC236}">
-                <a16:creationId xmlns:a16="http://schemas.microsoft.com/office/drawing/2014/main" id="{5B793222-E630-4B1D-8DC4-370BED70A36D}"/>
+                <a16:creationId xmlns:a16="http://schemas.microsoft.com/office/drawing/2014/main" xmlns="" id="{5B793222-E630-4B1D-8DC4-370BED70A36D}"/>
               </a:ext>
             </a:extLst>
           </p:cNvPr>
@@ -1330,7 +1330,7 @@
           <p:cNvPr id="4" name="Content Placeholder 3">
             <a:extLst>
               <a:ext uri="{FF2B5EF4-FFF2-40B4-BE49-F238E27FC236}">
-                <a16:creationId xmlns:a16="http://schemas.microsoft.com/office/drawing/2014/main" id="{603181B4-3BDC-4329-84C2-F088C31E080C}"/>
+                <a16:creationId xmlns:a16="http://schemas.microsoft.com/office/drawing/2014/main" xmlns="" id="{603181B4-3BDC-4329-84C2-F088C31E080C}"/>
               </a:ext>
             </a:extLst>
           </p:cNvPr>
@@ -1392,7 +1392,7 @@
           <p:cNvPr id="5" name="Date Placeholder 4">
             <a:extLst>
               <a:ext uri="{FF2B5EF4-FFF2-40B4-BE49-F238E27FC236}">
-                <a16:creationId xmlns:a16="http://schemas.microsoft.com/office/drawing/2014/main" id="{36A70865-5C2A-4D85-8E13-7EFAD9080F79}"/>
+                <a16:creationId xmlns:a16="http://schemas.microsoft.com/office/drawing/2014/main" xmlns="" id="{36A70865-5C2A-4D85-8E13-7EFAD9080F79}"/>
               </a:ext>
             </a:extLst>
           </p:cNvPr>
@@ -1410,7 +1410,7 @@
           <a:p>
             <a:fld id="{34A5A4A3-8F1F-4808-A594-7027E879364B}" type="datetimeFigureOut">
               <a:rPr lang="en-US" smtClean="0"/>
-              <a:t>2/22/2019</a:t>
+              <a:t>2/22/19</a:t>
             </a:fld>
             <a:endParaRPr lang="en-US"/>
           </a:p>
@@ -1421,7 +1421,7 @@
           <p:cNvPr id="6" name="Footer Placeholder 5">
             <a:extLst>
               <a:ext uri="{FF2B5EF4-FFF2-40B4-BE49-F238E27FC236}">
-                <a16:creationId xmlns:a16="http://schemas.microsoft.com/office/drawing/2014/main" id="{23A0259A-A97C-4518-BE96-58775B1ABC1F}"/>
+                <a16:creationId xmlns:a16="http://schemas.microsoft.com/office/drawing/2014/main" xmlns="" id="{23A0259A-A97C-4518-BE96-58775B1ABC1F}"/>
               </a:ext>
             </a:extLst>
           </p:cNvPr>
@@ -1446,7 +1446,7 @@
           <p:cNvPr id="7" name="Slide Number Placeholder 6">
             <a:extLst>
               <a:ext uri="{FF2B5EF4-FFF2-40B4-BE49-F238E27FC236}">
-                <a16:creationId xmlns:a16="http://schemas.microsoft.com/office/drawing/2014/main" id="{8F30E98A-E076-4B2B-814F-1562F8F9BAD7}"/>
+                <a16:creationId xmlns:a16="http://schemas.microsoft.com/office/drawing/2014/main" xmlns="" id="{8F30E98A-E076-4B2B-814F-1562F8F9BAD7}"/>
               </a:ext>
             </a:extLst>
           </p:cNvPr>
@@ -1505,7 +1505,7 @@
           <p:cNvPr id="2" name="Title 1">
             <a:extLst>
               <a:ext uri="{FF2B5EF4-FFF2-40B4-BE49-F238E27FC236}">
-                <a16:creationId xmlns:a16="http://schemas.microsoft.com/office/drawing/2014/main" id="{89CC1685-9CA3-497E-A30C-A6F7FC7AF1A8}"/>
+                <a16:creationId xmlns:a16="http://schemas.microsoft.com/office/drawing/2014/main" xmlns="" id="{89CC1685-9CA3-497E-A30C-A6F7FC7AF1A8}"/>
               </a:ext>
             </a:extLst>
           </p:cNvPr>
@@ -1538,7 +1538,7 @@
           <p:cNvPr id="3" name="Text Placeholder 2">
             <a:extLst>
               <a:ext uri="{FF2B5EF4-FFF2-40B4-BE49-F238E27FC236}">
-                <a16:creationId xmlns:a16="http://schemas.microsoft.com/office/drawing/2014/main" id="{333F3915-7CCC-464D-9F9A-3FAC827D2FD2}"/>
+                <a16:creationId xmlns:a16="http://schemas.microsoft.com/office/drawing/2014/main" xmlns="" id="{333F3915-7CCC-464D-9F9A-3FAC827D2FD2}"/>
               </a:ext>
             </a:extLst>
           </p:cNvPr>
@@ -1609,7 +1609,7 @@
           <p:cNvPr id="4" name="Content Placeholder 3">
             <a:extLst>
               <a:ext uri="{FF2B5EF4-FFF2-40B4-BE49-F238E27FC236}">
-                <a16:creationId xmlns:a16="http://schemas.microsoft.com/office/drawing/2014/main" id="{2DC82187-BB10-46B8-A041-A0706F5D08EE}"/>
+                <a16:creationId xmlns:a16="http://schemas.microsoft.com/office/drawing/2014/main" xmlns="" id="{2DC82187-BB10-46B8-A041-A0706F5D08EE}"/>
               </a:ext>
             </a:extLst>
           </p:cNvPr>
@@ -1671,7 +1671,7 @@
           <p:cNvPr id="5" name="Text Placeholder 4">
             <a:extLst>
               <a:ext uri="{FF2B5EF4-FFF2-40B4-BE49-F238E27FC236}">
-                <a16:creationId xmlns:a16="http://schemas.microsoft.com/office/drawing/2014/main" id="{E1C95CA3-9636-4E95-A2F1-595440BFA7AA}"/>
+                <a16:creationId xmlns:a16="http://schemas.microsoft.com/office/drawing/2014/main" xmlns="" id="{E1C95CA3-9636-4E95-A2F1-595440BFA7AA}"/>
               </a:ext>
             </a:extLst>
           </p:cNvPr>
@@ -1742,7 +1742,7 @@
           <p:cNvPr id="6" name="Content Placeholder 5">
             <a:extLst>
               <a:ext uri="{FF2B5EF4-FFF2-40B4-BE49-F238E27FC236}">
-                <a16:creationId xmlns:a16="http://schemas.microsoft.com/office/drawing/2014/main" id="{D42469B1-839F-4542-8E3A-298636DD2B18}"/>
+                <a16:creationId xmlns:a16="http://schemas.microsoft.com/office/drawing/2014/main" xmlns="" id="{D42469B1-839F-4542-8E3A-298636DD2B18}"/>
               </a:ext>
             </a:extLst>
           </p:cNvPr>
@@ -1804,7 +1804,7 @@
           <p:cNvPr id="7" name="Date Placeholder 6">
             <a:extLst>
               <a:ext uri="{FF2B5EF4-FFF2-40B4-BE49-F238E27FC236}">
-                <a16:creationId xmlns:a16="http://schemas.microsoft.com/office/drawing/2014/main" id="{AA1D748E-4C2D-4EE1-AAD2-48F076DC4D79}"/>
+                <a16:creationId xmlns:a16="http://schemas.microsoft.com/office/drawing/2014/main" xmlns="" id="{AA1D748E-4C2D-4EE1-AAD2-48F076DC4D79}"/>
               </a:ext>
             </a:extLst>
           </p:cNvPr>
@@ -1822,7 +1822,7 @@
           <a:p>
             <a:fld id="{34A5A4A3-8F1F-4808-A594-7027E879364B}" type="datetimeFigureOut">
               <a:rPr lang="en-US" smtClean="0"/>
-              <a:t>2/22/2019</a:t>
+              <a:t>2/22/19</a:t>
             </a:fld>
             <a:endParaRPr lang="en-US"/>
           </a:p>
@@ -1833,7 +1833,7 @@
           <p:cNvPr id="8" name="Footer Placeholder 7">
             <a:extLst>
               <a:ext uri="{FF2B5EF4-FFF2-40B4-BE49-F238E27FC236}">
-                <a16:creationId xmlns:a16="http://schemas.microsoft.com/office/drawing/2014/main" id="{769040F3-0CED-4EEA-A611-A9EEC2865990}"/>
+                <a16:creationId xmlns:a16="http://schemas.microsoft.com/office/drawing/2014/main" xmlns="" id="{769040F3-0CED-4EEA-A611-A9EEC2865990}"/>
               </a:ext>
             </a:extLst>
           </p:cNvPr>
@@ -1858,7 +1858,7 @@
           <p:cNvPr id="9" name="Slide Number Placeholder 8">
             <a:extLst>
               <a:ext uri="{FF2B5EF4-FFF2-40B4-BE49-F238E27FC236}">
-                <a16:creationId xmlns:a16="http://schemas.microsoft.com/office/drawing/2014/main" id="{25872001-AF59-41E6-BEAC-4AF0A674FF8D}"/>
+                <a16:creationId xmlns:a16="http://schemas.microsoft.com/office/drawing/2014/main" xmlns="" id="{25872001-AF59-41E6-BEAC-4AF0A674FF8D}"/>
               </a:ext>
             </a:extLst>
           </p:cNvPr>
@@ -1917,7 +1917,7 @@
           <p:cNvPr id="2" name="Title 1">
             <a:extLst>
               <a:ext uri="{FF2B5EF4-FFF2-40B4-BE49-F238E27FC236}">
-                <a16:creationId xmlns:a16="http://schemas.microsoft.com/office/drawing/2014/main" id="{C4577B20-0301-45A6-BCCF-BB677B196B2A}"/>
+                <a16:creationId xmlns:a16="http://schemas.microsoft.com/office/drawing/2014/main" xmlns="" id="{C4577B20-0301-45A6-BCCF-BB677B196B2A}"/>
               </a:ext>
             </a:extLst>
           </p:cNvPr>
@@ -1945,7 +1945,7 @@
           <p:cNvPr id="3" name="Date Placeholder 2">
             <a:extLst>
               <a:ext uri="{FF2B5EF4-FFF2-40B4-BE49-F238E27FC236}">
-                <a16:creationId xmlns:a16="http://schemas.microsoft.com/office/drawing/2014/main" id="{EA2251A0-31CB-40DC-A544-D58AE6246B75}"/>
+                <a16:creationId xmlns:a16="http://schemas.microsoft.com/office/drawing/2014/main" xmlns="" id="{EA2251A0-31CB-40DC-A544-D58AE6246B75}"/>
               </a:ext>
             </a:extLst>
           </p:cNvPr>
@@ -1963,7 +1963,7 @@
           <a:p>
             <a:fld id="{34A5A4A3-8F1F-4808-A594-7027E879364B}" type="datetimeFigureOut">
               <a:rPr lang="en-US" smtClean="0"/>
-              <a:t>2/22/2019</a:t>
+              <a:t>2/22/19</a:t>
             </a:fld>
             <a:endParaRPr lang="en-US"/>
           </a:p>
@@ -1974,7 +1974,7 @@
           <p:cNvPr id="4" name="Footer Placeholder 3">
             <a:extLst>
               <a:ext uri="{FF2B5EF4-FFF2-40B4-BE49-F238E27FC236}">
-                <a16:creationId xmlns:a16="http://schemas.microsoft.com/office/drawing/2014/main" id="{CDBF2F53-8AF6-4D8D-9488-89861C40F2DB}"/>
+                <a16:creationId xmlns:a16="http://schemas.microsoft.com/office/drawing/2014/main" xmlns="" id="{CDBF2F53-8AF6-4D8D-9488-89861C40F2DB}"/>
               </a:ext>
             </a:extLst>
           </p:cNvPr>
@@ -1999,7 +1999,7 @@
           <p:cNvPr id="5" name="Slide Number Placeholder 4">
             <a:extLst>
               <a:ext uri="{FF2B5EF4-FFF2-40B4-BE49-F238E27FC236}">
-                <a16:creationId xmlns:a16="http://schemas.microsoft.com/office/drawing/2014/main" id="{C98EDAC0-8BBA-4FCE-AAB2-80E6D4522D91}"/>
+                <a16:creationId xmlns:a16="http://schemas.microsoft.com/office/drawing/2014/main" xmlns="" id="{C98EDAC0-8BBA-4FCE-AAB2-80E6D4522D91}"/>
               </a:ext>
             </a:extLst>
           </p:cNvPr>
@@ -2058,7 +2058,7 @@
           <p:cNvPr id="2" name="Date Placeholder 1">
             <a:extLst>
               <a:ext uri="{FF2B5EF4-FFF2-40B4-BE49-F238E27FC236}">
-                <a16:creationId xmlns:a16="http://schemas.microsoft.com/office/drawing/2014/main" id="{9A30151D-A668-48B9-A49C-989CE4937871}"/>
+                <a16:creationId xmlns:a16="http://schemas.microsoft.com/office/drawing/2014/main" xmlns="" id="{9A30151D-A668-48B9-A49C-989CE4937871}"/>
               </a:ext>
             </a:extLst>
           </p:cNvPr>
@@ -2076,7 +2076,7 @@
           <a:p>
             <a:fld id="{34A5A4A3-8F1F-4808-A594-7027E879364B}" type="datetimeFigureOut">
               <a:rPr lang="en-US" smtClean="0"/>
-              <a:t>2/22/2019</a:t>
+              <a:t>2/22/19</a:t>
             </a:fld>
             <a:endParaRPr lang="en-US"/>
           </a:p>
@@ -2087,7 +2087,7 @@
           <p:cNvPr id="3" name="Footer Placeholder 2">
             <a:extLst>
               <a:ext uri="{FF2B5EF4-FFF2-40B4-BE49-F238E27FC236}">
-                <a16:creationId xmlns:a16="http://schemas.microsoft.com/office/drawing/2014/main" id="{A6DFEFD3-6515-4969-AF2C-51B1545CB4DB}"/>
+                <a16:creationId xmlns:a16="http://schemas.microsoft.com/office/drawing/2014/main" xmlns="" id="{A6DFEFD3-6515-4969-AF2C-51B1545CB4DB}"/>
               </a:ext>
             </a:extLst>
           </p:cNvPr>
@@ -2112,7 +2112,7 @@
           <p:cNvPr id="4" name="Slide Number Placeholder 3">
             <a:extLst>
               <a:ext uri="{FF2B5EF4-FFF2-40B4-BE49-F238E27FC236}">
-                <a16:creationId xmlns:a16="http://schemas.microsoft.com/office/drawing/2014/main" id="{14AA594E-DF96-4849-90D5-FEFAF31688A4}"/>
+                <a16:creationId xmlns:a16="http://schemas.microsoft.com/office/drawing/2014/main" xmlns="" id="{14AA594E-DF96-4849-90D5-FEFAF31688A4}"/>
               </a:ext>
             </a:extLst>
           </p:cNvPr>
@@ -2171,7 +2171,7 @@
           <p:cNvPr id="2" name="Title 1">
             <a:extLst>
               <a:ext uri="{FF2B5EF4-FFF2-40B4-BE49-F238E27FC236}">
-                <a16:creationId xmlns:a16="http://schemas.microsoft.com/office/drawing/2014/main" id="{ED07DF0B-A6F3-4741-8B91-F2B4AB9F39D8}"/>
+                <a16:creationId xmlns:a16="http://schemas.microsoft.com/office/drawing/2014/main" xmlns="" id="{ED07DF0B-A6F3-4741-8B91-F2B4AB9F39D8}"/>
               </a:ext>
             </a:extLst>
           </p:cNvPr>
@@ -2208,7 +2208,7 @@
           <p:cNvPr id="3" name="Content Placeholder 2">
             <a:extLst>
               <a:ext uri="{FF2B5EF4-FFF2-40B4-BE49-F238E27FC236}">
-                <a16:creationId xmlns:a16="http://schemas.microsoft.com/office/drawing/2014/main" id="{A703C935-4DB0-4FE1-B31D-B83EFDB13067}"/>
+                <a16:creationId xmlns:a16="http://schemas.microsoft.com/office/drawing/2014/main" xmlns="" id="{A703C935-4DB0-4FE1-B31D-B83EFDB13067}"/>
               </a:ext>
             </a:extLst>
           </p:cNvPr>
@@ -2298,7 +2298,7 @@
           <p:cNvPr id="4" name="Text Placeholder 3">
             <a:extLst>
               <a:ext uri="{FF2B5EF4-FFF2-40B4-BE49-F238E27FC236}">
-                <a16:creationId xmlns:a16="http://schemas.microsoft.com/office/drawing/2014/main" id="{69250284-A617-47AC-A25E-F0E3FFCCA6A5}"/>
+                <a16:creationId xmlns:a16="http://schemas.microsoft.com/office/drawing/2014/main" xmlns="" id="{69250284-A617-47AC-A25E-F0E3FFCCA6A5}"/>
               </a:ext>
             </a:extLst>
           </p:cNvPr>
@@ -2369,7 +2369,7 @@
           <p:cNvPr id="5" name="Date Placeholder 4">
             <a:extLst>
               <a:ext uri="{FF2B5EF4-FFF2-40B4-BE49-F238E27FC236}">
-                <a16:creationId xmlns:a16="http://schemas.microsoft.com/office/drawing/2014/main" id="{6A808175-17CE-4CA6-9925-FA9D1BEF0DD4}"/>
+                <a16:creationId xmlns:a16="http://schemas.microsoft.com/office/drawing/2014/main" xmlns="" id="{6A808175-17CE-4CA6-9925-FA9D1BEF0DD4}"/>
               </a:ext>
             </a:extLst>
           </p:cNvPr>
@@ -2387,7 +2387,7 @@
           <a:p>
             <a:fld id="{34A5A4A3-8F1F-4808-A594-7027E879364B}" type="datetimeFigureOut">
               <a:rPr lang="en-US" smtClean="0"/>
-              <a:t>2/22/2019</a:t>
+              <a:t>2/22/19</a:t>
             </a:fld>
             <a:endParaRPr lang="en-US"/>
           </a:p>
@@ -2398,7 +2398,7 @@
           <p:cNvPr id="6" name="Footer Placeholder 5">
             <a:extLst>
               <a:ext uri="{FF2B5EF4-FFF2-40B4-BE49-F238E27FC236}">
-                <a16:creationId xmlns:a16="http://schemas.microsoft.com/office/drawing/2014/main" id="{D445D323-91F6-430C-8CE7-6E430734D734}"/>
+                <a16:creationId xmlns:a16="http://schemas.microsoft.com/office/drawing/2014/main" xmlns="" id="{D445D323-91F6-430C-8CE7-6E430734D734}"/>
               </a:ext>
             </a:extLst>
           </p:cNvPr>
@@ -2423,7 +2423,7 @@
           <p:cNvPr id="7" name="Slide Number Placeholder 6">
             <a:extLst>
               <a:ext uri="{FF2B5EF4-FFF2-40B4-BE49-F238E27FC236}">
-                <a16:creationId xmlns:a16="http://schemas.microsoft.com/office/drawing/2014/main" id="{DBDA684E-E8FE-46CE-BA3C-0043C7F2DE31}"/>
+                <a16:creationId xmlns:a16="http://schemas.microsoft.com/office/drawing/2014/main" xmlns="" id="{DBDA684E-E8FE-46CE-BA3C-0043C7F2DE31}"/>
               </a:ext>
             </a:extLst>
           </p:cNvPr>
@@ -2482,7 +2482,7 @@
           <p:cNvPr id="2" name="Title 1">
             <a:extLst>
               <a:ext uri="{FF2B5EF4-FFF2-40B4-BE49-F238E27FC236}">
-                <a16:creationId xmlns:a16="http://schemas.microsoft.com/office/drawing/2014/main" id="{41FAA464-30D7-49E6-BB05-F3596C3BA030}"/>
+                <a16:creationId xmlns:a16="http://schemas.microsoft.com/office/drawing/2014/main" xmlns="" id="{41FAA464-30D7-49E6-BB05-F3596C3BA030}"/>
               </a:ext>
             </a:extLst>
           </p:cNvPr>
@@ -2519,7 +2519,7 @@
           <p:cNvPr id="3" name="Picture Placeholder 2">
             <a:extLst>
               <a:ext uri="{FF2B5EF4-FFF2-40B4-BE49-F238E27FC236}">
-                <a16:creationId xmlns:a16="http://schemas.microsoft.com/office/drawing/2014/main" id="{E859E5C2-D307-46C3-BBC8-FD3500F3813E}"/>
+                <a16:creationId xmlns:a16="http://schemas.microsoft.com/office/drawing/2014/main" xmlns="" id="{E859E5C2-D307-46C3-BBC8-FD3500F3813E}"/>
               </a:ext>
             </a:extLst>
           </p:cNvPr>
@@ -2586,7 +2586,7 @@
           <p:cNvPr id="4" name="Text Placeholder 3">
             <a:extLst>
               <a:ext uri="{FF2B5EF4-FFF2-40B4-BE49-F238E27FC236}">
-                <a16:creationId xmlns:a16="http://schemas.microsoft.com/office/drawing/2014/main" id="{737B6C6A-6866-4861-BEA5-4D1CDE17C7DF}"/>
+                <a16:creationId xmlns:a16="http://schemas.microsoft.com/office/drawing/2014/main" xmlns="" id="{737B6C6A-6866-4861-BEA5-4D1CDE17C7DF}"/>
               </a:ext>
             </a:extLst>
           </p:cNvPr>
@@ -2657,7 +2657,7 @@
           <p:cNvPr id="5" name="Date Placeholder 4">
             <a:extLst>
               <a:ext uri="{FF2B5EF4-FFF2-40B4-BE49-F238E27FC236}">
-                <a16:creationId xmlns:a16="http://schemas.microsoft.com/office/drawing/2014/main" id="{C04346A5-9E6F-4A5E-932F-3B40FBD4EECE}"/>
+                <a16:creationId xmlns:a16="http://schemas.microsoft.com/office/drawing/2014/main" xmlns="" id="{C04346A5-9E6F-4A5E-932F-3B40FBD4EECE}"/>
               </a:ext>
             </a:extLst>
           </p:cNvPr>
@@ -2675,7 +2675,7 @@
           <a:p>
             <a:fld id="{34A5A4A3-8F1F-4808-A594-7027E879364B}" type="datetimeFigureOut">
               <a:rPr lang="en-US" smtClean="0"/>
-              <a:t>2/22/2019</a:t>
+              <a:t>2/22/19</a:t>
             </a:fld>
             <a:endParaRPr lang="en-US"/>
           </a:p>
@@ -2686,7 +2686,7 @@
           <p:cNvPr id="6" name="Footer Placeholder 5">
             <a:extLst>
               <a:ext uri="{FF2B5EF4-FFF2-40B4-BE49-F238E27FC236}">
-                <a16:creationId xmlns:a16="http://schemas.microsoft.com/office/drawing/2014/main" id="{43438126-F3BC-470D-84E5-00FA4BCDCF5C}"/>
+                <a16:creationId xmlns:a16="http://schemas.microsoft.com/office/drawing/2014/main" xmlns="" id="{43438126-F3BC-470D-84E5-00FA4BCDCF5C}"/>
               </a:ext>
             </a:extLst>
           </p:cNvPr>
@@ -2711,7 +2711,7 @@
           <p:cNvPr id="7" name="Slide Number Placeholder 6">
             <a:extLst>
               <a:ext uri="{FF2B5EF4-FFF2-40B4-BE49-F238E27FC236}">
-                <a16:creationId xmlns:a16="http://schemas.microsoft.com/office/drawing/2014/main" id="{E4DC56E7-0438-4EE8-830B-9FE908DBB499}"/>
+                <a16:creationId xmlns:a16="http://schemas.microsoft.com/office/drawing/2014/main" xmlns="" id="{E4DC56E7-0438-4EE8-830B-9FE908DBB499}"/>
               </a:ext>
             </a:extLst>
           </p:cNvPr>
@@ -2775,7 +2775,7 @@
           <p:cNvPr id="2" name="Title Placeholder 1">
             <a:extLst>
               <a:ext uri="{FF2B5EF4-FFF2-40B4-BE49-F238E27FC236}">
-                <a16:creationId xmlns:a16="http://schemas.microsoft.com/office/drawing/2014/main" id="{F9322089-F336-4AFB-9FE1-2D5EDA0278E2}"/>
+                <a16:creationId xmlns:a16="http://schemas.microsoft.com/office/drawing/2014/main" xmlns="" id="{F9322089-F336-4AFB-9FE1-2D5EDA0278E2}"/>
               </a:ext>
             </a:extLst>
           </p:cNvPr>
@@ -2813,7 +2813,7 @@
           <p:cNvPr id="3" name="Text Placeholder 2">
             <a:extLst>
               <a:ext uri="{FF2B5EF4-FFF2-40B4-BE49-F238E27FC236}">
-                <a16:creationId xmlns:a16="http://schemas.microsoft.com/office/drawing/2014/main" id="{65DE9786-9917-4F9D-9D6F-A7E434A488CD}"/>
+                <a16:creationId xmlns:a16="http://schemas.microsoft.com/office/drawing/2014/main" xmlns="" id="{65DE9786-9917-4F9D-9D6F-A7E434A488CD}"/>
               </a:ext>
             </a:extLst>
           </p:cNvPr>
@@ -2880,7 +2880,7 @@
           <p:cNvPr id="4" name="Date Placeholder 3">
             <a:extLst>
               <a:ext uri="{FF2B5EF4-FFF2-40B4-BE49-F238E27FC236}">
-                <a16:creationId xmlns:a16="http://schemas.microsoft.com/office/drawing/2014/main" id="{5B57904A-AA94-4678-82C7-691B1A724206}"/>
+                <a16:creationId xmlns:a16="http://schemas.microsoft.com/office/drawing/2014/main" xmlns="" id="{5B57904A-AA94-4678-82C7-691B1A724206}"/>
               </a:ext>
             </a:extLst>
           </p:cNvPr>
@@ -2916,7 +2916,7 @@
           <a:p>
             <a:fld id="{34A5A4A3-8F1F-4808-A594-7027E879364B}" type="datetimeFigureOut">
               <a:rPr lang="en-US" smtClean="0"/>
-              <a:t>2/22/2019</a:t>
+              <a:t>2/22/19</a:t>
             </a:fld>
             <a:endParaRPr lang="en-US"/>
           </a:p>
@@ -2927,7 +2927,7 @@
           <p:cNvPr id="5" name="Footer Placeholder 4">
             <a:extLst>
               <a:ext uri="{FF2B5EF4-FFF2-40B4-BE49-F238E27FC236}">
-                <a16:creationId xmlns:a16="http://schemas.microsoft.com/office/drawing/2014/main" id="{2B9ED109-197D-4283-880A-29A31F64B0C2}"/>
+                <a16:creationId xmlns:a16="http://schemas.microsoft.com/office/drawing/2014/main" xmlns="" id="{2B9ED109-197D-4283-880A-29A31F64B0C2}"/>
               </a:ext>
             </a:extLst>
           </p:cNvPr>
@@ -2970,7 +2970,7 @@
           <p:cNvPr id="6" name="Slide Number Placeholder 5">
             <a:extLst>
               <a:ext uri="{FF2B5EF4-FFF2-40B4-BE49-F238E27FC236}">
-                <a16:creationId xmlns:a16="http://schemas.microsoft.com/office/drawing/2014/main" id="{F32772F0-4E0C-4737-B901-54B394739358}"/>
+                <a16:creationId xmlns:a16="http://schemas.microsoft.com/office/drawing/2014/main" xmlns="" id="{F32772F0-4E0C-4737-B901-54B394739358}"/>
               </a:ext>
             </a:extLst>
           </p:cNvPr>
@@ -3338,7 +3338,7 @@
           <p:cNvPr id="2" name="Title 1">
             <a:extLst>
               <a:ext uri="{FF2B5EF4-FFF2-40B4-BE49-F238E27FC236}">
-                <a16:creationId xmlns:a16="http://schemas.microsoft.com/office/drawing/2014/main" id="{C489C61C-B041-4FDD-9B9D-5F2023969E91}"/>
+                <a16:creationId xmlns:a16="http://schemas.microsoft.com/office/drawing/2014/main" xmlns="" id="{C489C61C-B041-4FDD-9B9D-5F2023969E91}"/>
               </a:ext>
             </a:extLst>
           </p:cNvPr>
@@ -3366,7 +3366,7 @@
           <p:cNvPr id="3" name="Subtitle 2">
             <a:extLst>
               <a:ext uri="{FF2B5EF4-FFF2-40B4-BE49-F238E27FC236}">
-                <a16:creationId xmlns:a16="http://schemas.microsoft.com/office/drawing/2014/main" id="{B8C7BDD4-5C61-4AAF-AA97-1BE10F9072F1}"/>
+                <a16:creationId xmlns:a16="http://schemas.microsoft.com/office/drawing/2014/main" xmlns="" id="{B8C7BDD4-5C61-4AAF-AA97-1BE10F9072F1}"/>
               </a:ext>
             </a:extLst>
           </p:cNvPr>
@@ -3432,7 +3432,7 @@
           <p:cNvPr id="2" name="TextBox 1">
             <a:extLst>
               <a:ext uri="{FF2B5EF4-FFF2-40B4-BE49-F238E27FC236}">
-                <a16:creationId xmlns:a16="http://schemas.microsoft.com/office/drawing/2014/main" id="{8A273221-D674-45D8-B9F6-20A9B397588F}"/>
+                <a16:creationId xmlns:a16="http://schemas.microsoft.com/office/drawing/2014/main" xmlns="" id="{8A273221-D674-45D8-B9F6-20A9B397588F}"/>
               </a:ext>
             </a:extLst>
           </p:cNvPr>
@@ -3497,7 +3497,7 @@
           <p:cNvPr id="2" name="TextBox 1">
             <a:extLst>
               <a:ext uri="{FF2B5EF4-FFF2-40B4-BE49-F238E27FC236}">
-                <a16:creationId xmlns:a16="http://schemas.microsoft.com/office/drawing/2014/main" id="{306514FE-05D5-435E-B0BF-C84C79575C79}"/>
+                <a16:creationId xmlns:a16="http://schemas.microsoft.com/office/drawing/2014/main" xmlns="" id="{306514FE-05D5-435E-B0BF-C84C79575C79}"/>
               </a:ext>
             </a:extLst>
           </p:cNvPr>
@@ -3532,7 +3532,7 @@
           <p:cNvPr id="3" name="Table 2">
             <a:extLst>
               <a:ext uri="{FF2B5EF4-FFF2-40B4-BE49-F238E27FC236}">
-                <a16:creationId xmlns:a16="http://schemas.microsoft.com/office/drawing/2014/main" id="{C7D42F38-ECEC-4C3C-AAAD-6DFFE1F84986}"/>
+                <a16:creationId xmlns:a16="http://schemas.microsoft.com/office/drawing/2014/main" xmlns="" id="{C7D42F38-ECEC-4C3C-AAAD-6DFFE1F84986}"/>
               </a:ext>
             </a:extLst>
           </p:cNvPr>
@@ -3542,14 +3542,14 @@
           <p:nvPr>
             <p:extLst>
               <p:ext uri="{D42A27DB-BD31-4B8C-83A1-F6EECF244321}">
-                <p14:modId xmlns:p14="http://schemas.microsoft.com/office/powerpoint/2010/main" val="2982183158"/>
+                <p14:modId xmlns:p14="http://schemas.microsoft.com/office/powerpoint/2010/main" val="1150277422"/>
               </p:ext>
             </p:extLst>
           </p:nvPr>
         </p:nvGraphicFramePr>
         <p:xfrm>
-          <a:off x="-1" y="2311400"/>
-          <a:ext cx="12192000" cy="4546600"/>
+          <a:off x="0" y="1738868"/>
+          <a:ext cx="12192000" cy="4759959"/>
         </p:xfrm>
         <a:graphic>
           <a:graphicData uri="http://schemas.openxmlformats.org/drawingml/2006/table">
@@ -3561,21 +3561,21 @@
                 <a:gridCol w="718457">
                   <a:extLst>
                     <a:ext uri="{9D8B030D-6E8A-4147-A177-3AD203B41FA5}">
-                      <a16:colId xmlns:a16="http://schemas.microsoft.com/office/drawing/2014/main" val="204355010"/>
+                      <a16:colId xmlns:a16="http://schemas.microsoft.com/office/drawing/2014/main" xmlns="" val="204355010"/>
                     </a:ext>
                   </a:extLst>
                 </a:gridCol>
                 <a:gridCol w="8007532">
                   <a:extLst>
                     <a:ext uri="{9D8B030D-6E8A-4147-A177-3AD203B41FA5}">
-                      <a16:colId xmlns:a16="http://schemas.microsoft.com/office/drawing/2014/main" val="4028382727"/>
+                      <a16:colId xmlns:a16="http://schemas.microsoft.com/office/drawing/2014/main" xmlns="" val="4028382727"/>
                     </a:ext>
                   </a:extLst>
                 </a:gridCol>
                 <a:gridCol w="3466011">
                   <a:extLst>
                     <a:ext uri="{9D8B030D-6E8A-4147-A177-3AD203B41FA5}">
-                      <a16:colId xmlns:a16="http://schemas.microsoft.com/office/drawing/2014/main" val="930503302"/>
+                      <a16:colId xmlns:a16="http://schemas.microsoft.com/office/drawing/2014/main" xmlns="" val="930503302"/>
                     </a:ext>
                   </a:extLst>
                 </a:gridCol>
@@ -3622,7 +3622,7 @@
                 </a:tc>
                 <a:extLst>
                   <a:ext uri="{0D108BD9-81ED-4DB2-BD59-A6C34878D82A}">
-                    <a16:rowId xmlns:a16="http://schemas.microsoft.com/office/drawing/2014/main" val="3725221251"/>
+                    <a16:rowId xmlns:a16="http://schemas.microsoft.com/office/drawing/2014/main" xmlns="" val="3725221251"/>
                   </a:ext>
                 </a:extLst>
               </a:tr>
@@ -3692,7 +3692,7 @@
                 </a:tc>
                 <a:extLst>
                   <a:ext uri="{0D108BD9-81ED-4DB2-BD59-A6C34878D82A}">
-                    <a16:rowId xmlns:a16="http://schemas.microsoft.com/office/drawing/2014/main" val="755521927"/>
+                    <a16:rowId xmlns:a16="http://schemas.microsoft.com/office/drawing/2014/main" xmlns="" val="755521927"/>
                   </a:ext>
                 </a:extLst>
               </a:tr>
@@ -3738,7 +3738,7 @@
                 </a:tc>
                 <a:extLst>
                   <a:ext uri="{0D108BD9-81ED-4DB2-BD59-A6C34878D82A}">
-                    <a16:rowId xmlns:a16="http://schemas.microsoft.com/office/drawing/2014/main" val="855918324"/>
+                    <a16:rowId xmlns:a16="http://schemas.microsoft.com/office/drawing/2014/main" xmlns="" val="855918324"/>
                   </a:ext>
                 </a:extLst>
               </a:tr>
@@ -3784,7 +3784,7 @@
                 </a:tc>
                 <a:extLst>
                   <a:ext uri="{0D108BD9-81ED-4DB2-BD59-A6C34878D82A}">
-                    <a16:rowId xmlns:a16="http://schemas.microsoft.com/office/drawing/2014/main" val="1412931206"/>
+                    <a16:rowId xmlns:a16="http://schemas.microsoft.com/office/drawing/2014/main" xmlns="" val="1412931206"/>
                   </a:ext>
                 </a:extLst>
               </a:tr>
@@ -3891,7 +3891,7 @@
                 </a:tc>
                 <a:extLst>
                   <a:ext uri="{0D108BD9-81ED-4DB2-BD59-A6C34878D82A}">
-                    <a16:rowId xmlns:a16="http://schemas.microsoft.com/office/drawing/2014/main" val="124220438"/>
+                    <a16:rowId xmlns:a16="http://schemas.microsoft.com/office/drawing/2014/main" xmlns="" val="124220438"/>
                   </a:ext>
                 </a:extLst>
               </a:tr>
@@ -3915,17 +3915,34 @@
                     <a:lstStyle/>
                     <a:p>
                       <a:r>
+                        <a:rPr lang="en-US" sz="1400" dirty="0" smtClean="0"/>
+                        <a:t>First import the Planet images and make custom visualizations for each, and map eac</a:t>
+                      </a:r>
+                      <a:r>
+                        <a:rPr lang="en-US" sz="1400" baseline="0" dirty="0" smtClean="0"/>
+                        <a:t>h with its own custom vis. </a:t>
+                      </a:r>
+                      <a:r>
+                        <a:rPr lang="en-US" sz="1400" dirty="0" smtClean="0"/>
+                        <a:t>Step </a:t>
+                      </a:r>
+                      <a:r>
                         <a:rPr lang="en-US" sz="1400" dirty="0"/>
-                        <a:t>Step through fields in CAR poly and record observed crop timing, export observations as feature collection to asset. Assets are exported as ‘</a:t>
+                        <a:t>through fields in CAR poly and record observed crop timing, export observations as feature collection to asset. Assets are exported as ‘</a:t>
                       </a:r>
                       <a:r>
                         <a:rPr lang="en-US" sz="1400" dirty="0" err="1"/>
                         <a:t>timing_obs_for_polyName_in_year</a:t>
                       </a:r>
                       <a:r>
-                        <a:rPr lang="en-US" sz="1400" dirty="0"/>
+                        <a:rPr lang="en-US" sz="1400" dirty="0" smtClean="0"/>
                         <a:t>’</a:t>
                       </a:r>
+                      <a:r>
+                        <a:rPr lang="en-US" sz="1400" smtClean="0"/>
+                        <a:t>. </a:t>
+                      </a:r>
+                      <a:endParaRPr lang="en-US" sz="1400" dirty="0"/>
                     </a:p>
                     <a:p>
                       <a:r>
@@ -3959,7 +3976,7 @@
                 </a:tc>
                 <a:extLst>
                   <a:ext uri="{0D108BD9-81ED-4DB2-BD59-A6C34878D82A}">
-                    <a16:rowId xmlns:a16="http://schemas.microsoft.com/office/drawing/2014/main" val="1467197189"/>
+                    <a16:rowId xmlns:a16="http://schemas.microsoft.com/office/drawing/2014/main" xmlns="" val="1467197189"/>
                   </a:ext>
                 </a:extLst>
               </a:tr>
@@ -4013,7 +4030,7 @@
                 </a:tc>
                 <a:extLst>
                   <a:ext uri="{0D108BD9-81ED-4DB2-BD59-A6C34878D82A}">
-                    <a16:rowId xmlns:a16="http://schemas.microsoft.com/office/drawing/2014/main" val="2733094096"/>
+                    <a16:rowId xmlns:a16="http://schemas.microsoft.com/office/drawing/2014/main" xmlns="" val="2733094096"/>
                   </a:ext>
                 </a:extLst>
               </a:tr>
@@ -4026,7 +4043,7 @@
           <p:cNvPr id="4" name="Rectangle 3">
             <a:extLst>
               <a:ext uri="{FF2B5EF4-FFF2-40B4-BE49-F238E27FC236}">
-                <a16:creationId xmlns:a16="http://schemas.microsoft.com/office/drawing/2014/main" id="{7064BD63-7B13-431B-98DA-EB15AE0E14DF}"/>
+                <a16:creationId xmlns:a16="http://schemas.microsoft.com/office/drawing/2014/main" xmlns="" id="{7064BD63-7B13-431B-98DA-EB15AE0E14DF}"/>
               </a:ext>
             </a:extLst>
           </p:cNvPr>
@@ -4035,7 +4052,7 @@
         </p:nvSpPr>
         <p:spPr>
           <a:xfrm>
-            <a:off x="191588" y="506559"/>
+            <a:off x="3757944" y="0"/>
             <a:ext cx="4728567" cy="1631216"/>
           </a:xfrm>
           <a:prstGeom prst="rect">
@@ -4180,7 +4197,7 @@
           <p:cNvPr id="2" name="Rectangle 1">
             <a:extLst>
               <a:ext uri="{FF2B5EF4-FFF2-40B4-BE49-F238E27FC236}">
-                <a16:creationId xmlns:a16="http://schemas.microsoft.com/office/drawing/2014/main" id="{5701F049-94CF-4490-B127-CF6919DCF8EA}"/>
+                <a16:creationId xmlns:a16="http://schemas.microsoft.com/office/drawing/2014/main" xmlns="" id="{5701F049-94CF-4490-B127-CF6919DCF8EA}"/>
               </a:ext>
             </a:extLst>
           </p:cNvPr>
@@ -4189,8 +4206,8 @@
         </p:nvSpPr>
         <p:spPr>
           <a:xfrm>
-            <a:off x="191588" y="506559"/>
-            <a:ext cx="11818160" cy="4278094"/>
+            <a:off x="0" y="0"/>
+            <a:ext cx="12192000" cy="4185761"/>
           </a:xfrm>
           <a:prstGeom prst="rect">
             <a:avLst/>
@@ -4203,12 +4220,12 @@
           <a:lstStyle/>
           <a:p>
             <a:r>
-              <a:rPr lang="en-US" sz="1600" dirty="0"/>
+              <a:rPr lang="en-US" sz="1400" dirty="0"/>
               <a:t>Notes</a:t>
             </a:r>
           </a:p>
           <a:p>
-            <a:endParaRPr lang="en-US" sz="1600" dirty="0"/>
+            <a:endParaRPr lang="en-US" sz="1400" dirty="0"/>
           </a:p>
           <a:p>
             <a:pPr marL="285750" indent="-285750">
@@ -4216,7 +4233,7 @@
               <a:buChar char="-"/>
             </a:pPr>
             <a:r>
-              <a:rPr lang="en-US" sz="1600" dirty="0"/>
+              <a:rPr lang="en-US" sz="1400" dirty="0"/>
               <a:t>This week, worked on poly1 crop timing info. Take pictures of the data from each field and enter them all at the same time; can’t guarantee the code will be running for the many hours it takes to create a timing validation dataset</a:t>
             </a:r>
           </a:p>
@@ -4226,7 +4243,7 @@
               <a:buChar char="-"/>
             </a:pPr>
             <a:r>
-              <a:rPr lang="en-US" sz="1600" dirty="0"/>
+              <a:rPr lang="en-US" sz="1400" dirty="0"/>
               <a:t>In some images, there’s a green sheen over the entire image so need to compare the field to the natural vegetation to see whether the field is actually green</a:t>
             </a:r>
           </a:p>
@@ -4236,7 +4253,7 @@
               <a:buChar char="-"/>
             </a:pPr>
             <a:r>
-              <a:rPr lang="en-US" sz="1600" dirty="0"/>
+              <a:rPr lang="en-US" sz="1400" dirty="0"/>
               <a:t>The use of images from different satellites, and the presence of clouds (and therefore a change in visualization params) makes it hard to have temporally consistent images – i.e. sometimes a field will look like it’s mature one day but totally green next week, which means the ‘mature’ day was probably green and was just sensed with another satellite. </a:t>
             </a:r>
           </a:p>
@@ -4246,31 +4263,31 @@
               <a:buChar char="-"/>
             </a:pPr>
             <a:r>
-              <a:rPr lang="en-US" sz="1600" dirty="0"/>
+              <a:rPr lang="en-US" sz="1400" dirty="0"/>
               <a:t>Try to download from the same satellite, and low presence of clouds. 4bandPSanalytic looks the best; there seems to also be more PS than RE images. </a:t>
             </a:r>
             <a:r>
-              <a:rPr lang="en-US" sz="1600" dirty="0" err="1"/>
+              <a:rPr lang="en-US" sz="1400" dirty="0" err="1"/>
               <a:t>Reortho</a:t>
             </a:r>
             <a:r>
-              <a:rPr lang="en-US" sz="1600" dirty="0"/>
+              <a:rPr lang="en-US" sz="1400" dirty="0"/>
               <a:t> and </a:t>
             </a:r>
             <a:r>
-              <a:rPr lang="en-US" sz="1600" dirty="0" err="1"/>
+              <a:rPr lang="en-US" sz="1400" dirty="0" err="1"/>
               <a:t>Psortho</a:t>
             </a:r>
             <a:r>
-              <a:rPr lang="en-US" sz="1600" dirty="0"/>
+              <a:rPr lang="en-US" sz="1400" dirty="0"/>
               <a:t> both have had some images that look ‘greenwashed’. In the future, before stepping through images to get timing, pay attention to what the images look like (compared to natural vegetation, known bare/harvested regions, </a:t>
             </a:r>
             <a:r>
-              <a:rPr lang="en-US" sz="1600" dirty="0" err="1"/>
+              <a:rPr lang="en-US" sz="1400" dirty="0" err="1"/>
               <a:t>etc</a:t>
             </a:r>
             <a:r>
-              <a:rPr lang="en-US" sz="1600" dirty="0"/>
+              <a:rPr lang="en-US" sz="1400" dirty="0"/>
               <a:t>)</a:t>
             </a:r>
           </a:p>
@@ -4280,7 +4297,7 @@
               <a:buChar char="-"/>
             </a:pPr>
             <a:r>
-              <a:rPr lang="en-US" sz="1600" dirty="0"/>
+              <a:rPr lang="en-US" sz="1400" dirty="0"/>
               <a:t>Don’t download images within 5 days of each other because won’t be able to step through them (I have 5 days as the step interval)</a:t>
             </a:r>
           </a:p>
@@ -4290,19 +4307,19 @@
               <a:buChar char="-"/>
             </a:pPr>
             <a:r>
-              <a:rPr lang="en-US" sz="1600" dirty="0" err="1"/>
+              <a:rPr lang="en-US" sz="1400" dirty="0" err="1"/>
               <a:t>Reorthoanalytic</a:t>
             </a:r>
             <a:r>
-              <a:rPr lang="en-US" sz="1600" dirty="0"/>
+              <a:rPr lang="en-US" sz="1400" dirty="0"/>
               <a:t> and </a:t>
             </a:r>
             <a:r>
-              <a:rPr lang="en-US" sz="1600" dirty="0" err="1"/>
+              <a:rPr lang="en-US" sz="1400" dirty="0" err="1"/>
               <a:t>PSorthoAnalytic</a:t>
             </a:r>
             <a:r>
-              <a:rPr lang="en-US" sz="1600" dirty="0"/>
+              <a:rPr lang="en-US" sz="1400" dirty="0"/>
               <a:t> both have greenwash effect sometimes. Pay attention to how the image looks in Planet website.</a:t>
             </a:r>
           </a:p>
@@ -4312,7 +4329,7 @@
               <a:buChar char="-"/>
             </a:pPr>
             <a:r>
-              <a:rPr lang="en-US" sz="1600" dirty="0"/>
+              <a:rPr lang="en-US" sz="1400" dirty="0"/>
               <a:t>Note that sometimes dark green vegetation can look black/brown; look at natural vegetation to see whether a very dark field might actually be a very green field</a:t>
             </a:r>
           </a:p>
@@ -4322,9 +4339,38 @@
               <a:buChar char="-"/>
             </a:pPr>
             <a:r>
-              <a:rPr lang="en-US" sz="1600" dirty="0"/>
-              <a:t>Sometimes a stripe-y lightly green field won’t pick up on some satellites and it’ll look bare</a:t>
-            </a:r>
+              <a:rPr lang="en-US" sz="1400" dirty="0"/>
+              <a:t>Sometimes a stripe-y lightly green field won’t pick up on some satellites and it’ll look </a:t>
+            </a:r>
+            <a:r>
+              <a:rPr lang="en-US" sz="1400" dirty="0" smtClean="0"/>
+              <a:t>bare</a:t>
+            </a:r>
+          </a:p>
+          <a:p>
+            <a:pPr marL="285750" indent="-285750">
+              <a:buFontTx/>
+              <a:buChar char="-"/>
+            </a:pPr>
+            <a:r>
+              <a:rPr lang="en-US" sz="1400" dirty="0" smtClean="0"/>
+              <a:t>Don’t download images with significant cloud cover because it will mess up the visualization parameters, making the rest of the image look too dark to see anything.</a:t>
+            </a:r>
+          </a:p>
+          <a:p>
+            <a:pPr marL="285750" indent="-285750">
+              <a:buFontTx/>
+              <a:buChar char="-"/>
+            </a:pPr>
+            <a:r>
+              <a:rPr lang="en-US" sz="1400" dirty="0" smtClean="0"/>
+              <a:t>Download an entire year from Aug 1 to July 31, because there might be many cycles of crops at unusual times. Look at all times of greening in an image to make sure </a:t>
+            </a:r>
+            <a:r>
+              <a:rPr lang="en-US" sz="1400" dirty="0" smtClean="0"/>
+              <a:t>get all the important images.</a:t>
+            </a:r>
+            <a:endParaRPr lang="en-US" sz="1400" dirty="0"/>
           </a:p>
         </p:txBody>
       </p:sp>
@@ -4333,7 +4379,7 @@
           <p:cNvPr id="3" name="Rectangle 2">
             <a:extLst>
               <a:ext uri="{FF2B5EF4-FFF2-40B4-BE49-F238E27FC236}">
-                <a16:creationId xmlns:a16="http://schemas.microsoft.com/office/drawing/2014/main" id="{983193D5-C2FC-4AF5-88E1-82864E59C1E0}"/>
+                <a16:creationId xmlns:a16="http://schemas.microsoft.com/office/drawing/2014/main" xmlns="" id="{983193D5-C2FC-4AF5-88E1-82864E59C1E0}"/>
               </a:ext>
             </a:extLst>
           </p:cNvPr>
@@ -4370,69 +4416,161 @@
           </a:p>
         </p:txBody>
       </p:sp>
-      <p:pic>
-        <p:nvPicPr>
-          <p:cNvPr id="4" name="Picture 3">
-            <a:extLst>
-              <a:ext uri="{FF2B5EF4-FFF2-40B4-BE49-F238E27FC236}">
-                <a16:creationId xmlns:a16="http://schemas.microsoft.com/office/drawing/2014/main" id="{A788477A-2D15-409A-8E56-2E0E4FA3A26C}"/>
-              </a:ext>
-            </a:extLst>
-          </p:cNvPr>
-          <p:cNvPicPr>
-            <a:picLocks noChangeAspect="1"/>
-          </p:cNvPicPr>
+      <p:grpSp>
+        <p:nvGrpSpPr>
+          <p:cNvPr id="9" name="Group 8"/>
+          <p:cNvGrpSpPr/>
           <p:nvPr/>
-        </p:nvPicPr>
-        <p:blipFill rotWithShape="1">
-          <a:blip r:embed="rId2"/>
-          <a:srcRect l="22809" t="43118" r="25541" b="4487"/>
-          <a:stretch/>
-        </p:blipFill>
-        <p:spPr>
+        </p:nvGrpSpPr>
+        <p:grpSpPr>
           <a:xfrm>
-            <a:off x="276520" y="4784653"/>
-            <a:ext cx="6297106" cy="3593267"/>
+            <a:off x="1004589" y="4551446"/>
+            <a:ext cx="4529578" cy="2747480"/>
+            <a:chOff x="13230" y="4898301"/>
+            <a:chExt cx="4529578" cy="2747480"/>
           </a:xfrm>
-          <a:prstGeom prst="rect">
-            <a:avLst/>
-          </a:prstGeom>
-        </p:spPr>
-      </p:pic>
-      <p:sp>
-        <p:nvSpPr>
-          <p:cNvPr id="5" name="Rectangle 4">
-            <a:extLst>
-              <a:ext uri="{FF2B5EF4-FFF2-40B4-BE49-F238E27FC236}">
-                <a16:creationId xmlns:a16="http://schemas.microsoft.com/office/drawing/2014/main" id="{58C773E6-E442-45FD-923C-2CEBA3C544C9}"/>
-              </a:ext>
-            </a:extLst>
-          </p:cNvPr>
-          <p:cNvSpPr/>
+        </p:grpSpPr>
+        <p:pic>
+          <p:nvPicPr>
+            <p:cNvPr id="4" name="Picture 3">
+              <a:extLst>
+                <a:ext uri="{FF2B5EF4-FFF2-40B4-BE49-F238E27FC236}">
+                  <a16:creationId xmlns:a16="http://schemas.microsoft.com/office/drawing/2014/main" xmlns="" id="{A788477A-2D15-409A-8E56-2E0E4FA3A26C}"/>
+                </a:ext>
+              </a:extLst>
+            </p:cNvPr>
+            <p:cNvPicPr>
+              <a:picLocks noChangeAspect="1"/>
+            </p:cNvPicPr>
+            <p:nvPr/>
+          </p:nvPicPr>
+          <p:blipFill rotWithShape="1">
+            <a:blip r:embed="rId2"/>
+            <a:srcRect l="22809" t="43118" r="25541" b="4487"/>
+            <a:stretch/>
+          </p:blipFill>
+          <p:spPr>
+            <a:xfrm>
+              <a:off x="13230" y="4898301"/>
+              <a:ext cx="4329836" cy="2470700"/>
+            </a:xfrm>
+            <a:prstGeom prst="rect">
+              <a:avLst/>
+            </a:prstGeom>
+          </p:spPr>
+        </p:pic>
+        <p:sp>
+          <p:nvSpPr>
+            <p:cNvPr id="5" name="Rectangle 4">
+              <a:extLst>
+                <a:ext uri="{FF2B5EF4-FFF2-40B4-BE49-F238E27FC236}">
+                  <a16:creationId xmlns:a16="http://schemas.microsoft.com/office/drawing/2014/main" xmlns="" id="{58C773E6-E442-45FD-923C-2CEBA3C544C9}"/>
+                </a:ext>
+              </a:extLst>
+            </p:cNvPr>
+            <p:cNvSpPr/>
+            <p:nvPr/>
+          </p:nvSpPr>
+          <p:spPr>
+            <a:xfrm>
+              <a:off x="550466" y="7338004"/>
+              <a:ext cx="3992342" cy="307777"/>
+            </a:xfrm>
+            <a:prstGeom prst="rect">
+              <a:avLst/>
+            </a:prstGeom>
+          </p:spPr>
+          <p:txBody>
+            <a:bodyPr wrap="square">
+              <a:spAutoFit/>
+            </a:bodyPr>
+            <a:lstStyle/>
+            <a:p>
+              <a:r>
+                <a:rPr lang="en-US" sz="1400" dirty="0"/>
+                <a:t>PS Ortho Analytic greenwashed example</a:t>
+              </a:r>
+            </a:p>
+          </p:txBody>
+        </p:sp>
+      </p:grpSp>
+      <p:grpSp>
+        <p:nvGrpSpPr>
+          <p:cNvPr id="8" name="Group 7"/>
+          <p:cNvGrpSpPr/>
           <p:nvPr/>
-        </p:nvSpPr>
-        <p:spPr>
+        </p:nvGrpSpPr>
+        <p:grpSpPr>
           <a:xfrm>
-            <a:off x="537237" y="7959804"/>
-            <a:ext cx="3992342" cy="307777"/>
+            <a:off x="6420071" y="4238016"/>
+            <a:ext cx="4475105" cy="3022428"/>
+            <a:chOff x="7377906" y="5465054"/>
+            <a:chExt cx="4475105" cy="3022428"/>
           </a:xfrm>
-          <a:prstGeom prst="rect">
-            <a:avLst/>
-          </a:prstGeom>
-        </p:spPr>
-        <p:txBody>
-          <a:bodyPr wrap="square">
-            <a:spAutoFit/>
-          </a:bodyPr>
-          <a:lstStyle/>
-          <a:p>
-            <a:r>
-              <a:rPr lang="en-US" sz="1400" dirty="0"/>
-              <a:t>PS Ortho Analytic greenwashed example</a:t>
-            </a:r>
-          </a:p>
-        </p:txBody>
-      </p:sp>
+        </p:grpSpPr>
+        <p:pic>
+          <p:nvPicPr>
+            <p:cNvPr id="6" name="Picture 5"/>
+            <p:cNvPicPr>
+              <a:picLocks noChangeAspect="1"/>
+            </p:cNvPicPr>
+            <p:nvPr/>
+          </p:nvPicPr>
+          <p:blipFill>
+            <a:blip r:embed="rId3"/>
+            <a:stretch>
+              <a:fillRect/>
+            </a:stretch>
+          </p:blipFill>
+          <p:spPr>
+            <a:xfrm>
+              <a:off x="7699166" y="5465054"/>
+              <a:ext cx="3735649" cy="2498915"/>
+            </a:xfrm>
+            <a:prstGeom prst="rect">
+              <a:avLst/>
+            </a:prstGeom>
+          </p:spPr>
+        </p:pic>
+        <p:sp>
+          <p:nvSpPr>
+            <p:cNvPr id="7" name="TextBox 6"/>
+            <p:cNvSpPr txBox="1"/>
+            <p:nvPr/>
+          </p:nvSpPr>
+          <p:spPr>
+            <a:xfrm>
+              <a:off x="7377906" y="7964262"/>
+              <a:ext cx="4475105" cy="523220"/>
+            </a:xfrm>
+            <a:prstGeom prst="rect">
+              <a:avLst/>
+            </a:prstGeom>
+            <a:noFill/>
+          </p:spPr>
+          <p:txBody>
+            <a:bodyPr wrap="square" rtlCol="0">
+              <a:spAutoFit/>
+            </a:bodyPr>
+            <a:lstStyle/>
+            <a:p>
+              <a:r>
+                <a:rPr lang="en-US" sz="1400" dirty="0" smtClean="0"/>
+                <a:t>Lots of clouds -&gt; visualizing based on 90</a:t>
+              </a:r>
+              <a:r>
+                <a:rPr lang="en-US" sz="1400" baseline="30000" dirty="0" smtClean="0"/>
+                <a:t>th</a:t>
+              </a:r>
+              <a:r>
+                <a:rPr lang="en-US" sz="1400" dirty="0" smtClean="0"/>
+                <a:t> percentile will make image look weird. This is 4bandPSAnalytic</a:t>
+              </a:r>
+              <a:endParaRPr lang="en-US" sz="1400" dirty="0"/>
+            </a:p>
+          </p:txBody>
+        </p:sp>
+      </p:grpSp>
     </p:spTree>
     <p:extLst>
       <p:ext uri="{BB962C8B-B14F-4D97-AF65-F5344CB8AC3E}">
@@ -4535,7 +4673,7 @@
           <p:cNvPr id="4" name="TextBox 3">
             <a:extLst>
               <a:ext uri="{FF2B5EF4-FFF2-40B4-BE49-F238E27FC236}">
-                <a16:creationId xmlns:a16="http://schemas.microsoft.com/office/drawing/2014/main" id="{AB31ADD0-EFA3-4A54-9649-1A631BE486A3}"/>
+                <a16:creationId xmlns:a16="http://schemas.microsoft.com/office/drawing/2014/main" xmlns="" id="{AB31ADD0-EFA3-4A54-9649-1A631BE486A3}"/>
               </a:ext>
             </a:extLst>
           </p:cNvPr>
@@ -4718,7 +4856,7 @@
           <p:cNvPr id="2" name="Rectangle 1">
             <a:extLst>
               <a:ext uri="{FF2B5EF4-FFF2-40B4-BE49-F238E27FC236}">
-                <a16:creationId xmlns:a16="http://schemas.microsoft.com/office/drawing/2014/main" id="{871DEB38-E2F6-40CF-A322-5D5E66B53AE7}"/>
+                <a16:creationId xmlns:a16="http://schemas.microsoft.com/office/drawing/2014/main" xmlns="" id="{871DEB38-E2F6-40CF-A322-5D5E66B53AE7}"/>
               </a:ext>
             </a:extLst>
           </p:cNvPr>
@@ -5069,7 +5207,7 @@
           <p:cNvPr id="3" name="Rectangle 2">
             <a:extLst>
               <a:ext uri="{FF2B5EF4-FFF2-40B4-BE49-F238E27FC236}">
-                <a16:creationId xmlns:a16="http://schemas.microsoft.com/office/drawing/2014/main" id="{68874149-D8F1-4DE0-9267-C9CDBE876EA2}"/>
+                <a16:creationId xmlns:a16="http://schemas.microsoft.com/office/drawing/2014/main" xmlns="" id="{68874149-D8F1-4DE0-9267-C9CDBE876EA2}"/>
               </a:ext>
             </a:extLst>
           </p:cNvPr>
@@ -5225,7 +5363,7 @@
           <p:cNvPr id="4" name="Rectangle 3">
             <a:extLst>
               <a:ext uri="{FF2B5EF4-FFF2-40B4-BE49-F238E27FC236}">
-                <a16:creationId xmlns:a16="http://schemas.microsoft.com/office/drawing/2014/main" id="{E593D363-75B7-4D73-B766-D82E8720A322}"/>
+                <a16:creationId xmlns:a16="http://schemas.microsoft.com/office/drawing/2014/main" xmlns="" id="{E593D363-75B7-4D73-B766-D82E8720A322}"/>
               </a:ext>
             </a:extLst>
           </p:cNvPr>
@@ -5609,7 +5747,7 @@
     </a:clrScheme>
     <a:fontScheme name="Office">
       <a:majorFont>
-        <a:latin typeface="Calibri Light" panose="020F0302020204030204"/>
+        <a:latin typeface="Calibri Light"/>
         <a:ea typeface=""/>
         <a:cs typeface=""/>
         <a:font script="Jpan" typeface="游ゴシック Light"/>
@@ -5661,7 +5799,7 @@
         <a:font script="Tfng" typeface="Ebrima"/>
       </a:majorFont>
       <a:minorFont>
-        <a:latin typeface="Calibri" panose="020F0502020204030204"/>
+        <a:latin typeface="Calibri"/>
         <a:ea typeface=""/>
         <a:cs typeface=""/>
         <a:font script="Jpan" typeface="游ゴシック"/>
@@ -5855,7 +5993,7 @@
   <a:extraClrSchemeLst/>
   <a:extLst>
     <a:ext uri="{05A4C25C-085E-4340-85A3-A5531E510DB2}">
-      <thm15:themeFamily xmlns:thm15="http://schemas.microsoft.com/office/thememl/2012/main" name="Office Theme" id="{62F939B6-93AF-4DB8-9C6B-D6C7DFDC589F}" vid="{4A3C46E8-61CC-4603-A589-7422A47A8E4A}"/>
+      <thm15:themeFamily xmlns:thm15="http://schemas.microsoft.com/office/thememl/2012/main" xmlns="" name="Office Theme" id="{62F939B6-93AF-4DB8-9C6B-D6C7DFDC589F}" vid="{4A3C46E8-61CC-4603-A589-7422A47A8E4A}"/>
     </a:ext>
   </a:extLst>
 </a:theme>
